--- a/2016_0316_Presentation/CDP-12_1603016.pptx
+++ b/2016_0316_Presentation/CDP-12_1603016.pptx
@@ -5,35 +5,36 @@
     <p:sldMasterId id="2147483648" r:id="rId1"/>
   </p:sldMasterIdLst>
   <p:notesMasterIdLst>
-    <p:notesMasterId r:id="rId15"/>
+    <p:notesMasterId r:id="rId16"/>
   </p:notesMasterIdLst>
   <p:sldIdLst>
     <p:sldId id="256" r:id="rId2"/>
     <p:sldId id="265" r:id="rId3"/>
     <p:sldId id="280" r:id="rId4"/>
-    <p:sldId id="281" r:id="rId5"/>
-    <p:sldId id="261" r:id="rId6"/>
+    <p:sldId id="261" r:id="rId5"/>
+    <p:sldId id="281" r:id="rId6"/>
     <p:sldId id="282" r:id="rId7"/>
     <p:sldId id="283" r:id="rId8"/>
     <p:sldId id="271" r:id="rId9"/>
     <p:sldId id="273" r:id="rId10"/>
-    <p:sldId id="275" r:id="rId11"/>
-    <p:sldId id="270" r:id="rId12"/>
-    <p:sldId id="274" r:id="rId13"/>
-    <p:sldId id="269" r:id="rId14"/>
+    <p:sldId id="284" r:id="rId11"/>
+    <p:sldId id="275" r:id="rId12"/>
+    <p:sldId id="270" r:id="rId13"/>
+    <p:sldId id="274" r:id="rId14"/>
+    <p:sldId id="269" r:id="rId15"/>
   </p:sldIdLst>
   <p:sldSz cx="9144000" cy="6858000" type="screen4x3"/>
   <p:notesSz cx="6858000" cy="9144000"/>
   <p:embeddedFontLst>
     <p:embeddedFont>
-      <p:font typeface="나눔바른고딕" pitchFamily="50" charset="-127"/>
-      <p:regular r:id="rId16"/>
-      <p:bold r:id="rId17"/>
+      <p:font typeface="나눔바른고딕" panose="020B0600000101010101" charset="-127"/>
+      <p:regular r:id="rId17"/>
+      <p:bold r:id="rId18"/>
     </p:embeddedFont>
     <p:embeddedFont>
-      <p:font typeface="맑은 고딕" pitchFamily="50" charset="-127"/>
-      <p:regular r:id="rId18"/>
-      <p:bold r:id="rId19"/>
+      <p:font typeface="맑은 고딕" panose="020B0503020000020004" pitchFamily="50" charset="-127"/>
+      <p:regular r:id="rId19"/>
+      <p:bold r:id="rId20"/>
     </p:embeddedFont>
   </p:embeddedFontLst>
   <p:defaultTextStyle>
@@ -133,7 +134,7 @@
   </p:defaultTextStyle>
   <p:extLst>
     <p:ext uri="{EFAFB233-063F-42B5-8137-9DF3F51BA10A}">
-      <p15:sldGuideLst xmlns="" xmlns:p15="http://schemas.microsoft.com/office/powerpoint/2012/main">
+      <p15:sldGuideLst xmlns:p15="http://schemas.microsoft.com/office/powerpoint/2012/main">
         <p15:guide id="1" orient="horz" pos="2160">
           <p15:clr>
             <a:srgbClr val="A4A3A4"/>
@@ -233,7 +234,7 @@
             <a:fld id="{F91634FD-B52A-4AE4-BA83-F656854F51D6}" type="datetimeFigureOut">
               <a:rPr lang="ko-KR" altLang="en-US" smtClean="0"/>
               <a:pPr/>
-              <a:t>2016-03-15</a:t>
+              <a:t>2016-03-17</a:t>
             </a:fld>
             <a:endParaRPr lang="ko-KR" altLang="en-US"/>
           </a:p>
@@ -568,7 +569,7 @@
             <a:fld id="{0BE9C093-AB05-450B-A06C-F15D8096F694}" type="slidenum">
               <a:rPr lang="ko-KR" altLang="en-US" smtClean="0"/>
               <a:pPr/>
-              <a:t>5</a:t>
+              <a:t>4</a:t>
             </a:fld>
             <a:endParaRPr lang="ko-KR" altLang="en-US"/>
           </a:p>
@@ -769,7 +770,7 @@
             <a:fld id="{12AABF0E-AA17-4C88-937D-070D96018A74}" type="datetimeFigureOut">
               <a:rPr lang="ko-KR" altLang="en-US" smtClean="0"/>
               <a:pPr/>
-              <a:t>2016-03-15</a:t>
+              <a:t>2016-03-17</a:t>
             </a:fld>
             <a:endParaRPr lang="ko-KR" altLang="en-US"/>
           </a:p>
@@ -936,7 +937,7 @@
             <a:fld id="{12AABF0E-AA17-4C88-937D-070D96018A74}" type="datetimeFigureOut">
               <a:rPr lang="ko-KR" altLang="en-US" smtClean="0"/>
               <a:pPr/>
-              <a:t>2016-03-15</a:t>
+              <a:t>2016-03-17</a:t>
             </a:fld>
             <a:endParaRPr lang="ko-KR" altLang="en-US"/>
           </a:p>
@@ -1113,7 +1114,7 @@
             <a:fld id="{12AABF0E-AA17-4C88-937D-070D96018A74}" type="datetimeFigureOut">
               <a:rPr lang="ko-KR" altLang="en-US" smtClean="0"/>
               <a:pPr/>
-              <a:t>2016-03-15</a:t>
+              <a:t>2016-03-17</a:t>
             </a:fld>
             <a:endParaRPr lang="ko-KR" altLang="en-US"/>
           </a:p>
@@ -1280,7 +1281,7 @@
             <a:fld id="{12AABF0E-AA17-4C88-937D-070D96018A74}" type="datetimeFigureOut">
               <a:rPr lang="ko-KR" altLang="en-US" smtClean="0"/>
               <a:pPr/>
-              <a:t>2016-03-15</a:t>
+              <a:t>2016-03-17</a:t>
             </a:fld>
             <a:endParaRPr lang="ko-KR" altLang="en-US"/>
           </a:p>
@@ -1523,7 +1524,7 @@
             <a:fld id="{12AABF0E-AA17-4C88-937D-070D96018A74}" type="datetimeFigureOut">
               <a:rPr lang="ko-KR" altLang="en-US" smtClean="0"/>
               <a:pPr/>
-              <a:t>2016-03-15</a:t>
+              <a:t>2016-03-17</a:t>
             </a:fld>
             <a:endParaRPr lang="ko-KR" altLang="en-US"/>
           </a:p>
@@ -1808,7 +1809,7 @@
             <a:fld id="{12AABF0E-AA17-4C88-937D-070D96018A74}" type="datetimeFigureOut">
               <a:rPr lang="ko-KR" altLang="en-US" smtClean="0"/>
               <a:pPr/>
-              <a:t>2016-03-15</a:t>
+              <a:t>2016-03-17</a:t>
             </a:fld>
             <a:endParaRPr lang="ko-KR" altLang="en-US"/>
           </a:p>
@@ -2227,7 +2228,7 @@
             <a:fld id="{12AABF0E-AA17-4C88-937D-070D96018A74}" type="datetimeFigureOut">
               <a:rPr lang="ko-KR" altLang="en-US" smtClean="0"/>
               <a:pPr/>
-              <a:t>2016-03-15</a:t>
+              <a:t>2016-03-17</a:t>
             </a:fld>
             <a:endParaRPr lang="ko-KR" altLang="en-US"/>
           </a:p>
@@ -2342,7 +2343,7 @@
             <a:fld id="{12AABF0E-AA17-4C88-937D-070D96018A74}" type="datetimeFigureOut">
               <a:rPr lang="ko-KR" altLang="en-US" smtClean="0"/>
               <a:pPr/>
-              <a:t>2016-03-15</a:t>
+              <a:t>2016-03-17</a:t>
             </a:fld>
             <a:endParaRPr lang="ko-KR" altLang="en-US"/>
           </a:p>
@@ -2434,7 +2435,7 @@
             <a:fld id="{12AABF0E-AA17-4C88-937D-070D96018A74}" type="datetimeFigureOut">
               <a:rPr lang="ko-KR" altLang="en-US" smtClean="0"/>
               <a:pPr/>
-              <a:t>2016-03-15</a:t>
+              <a:t>2016-03-17</a:t>
             </a:fld>
             <a:endParaRPr lang="ko-KR" altLang="en-US"/>
           </a:p>
@@ -2708,7 +2709,7 @@
             <a:fld id="{12AABF0E-AA17-4C88-937D-070D96018A74}" type="datetimeFigureOut">
               <a:rPr lang="ko-KR" altLang="en-US" smtClean="0"/>
               <a:pPr/>
-              <a:t>2016-03-15</a:t>
+              <a:t>2016-03-17</a:t>
             </a:fld>
             <a:endParaRPr lang="ko-KR" altLang="en-US"/>
           </a:p>
@@ -2958,7 +2959,7 @@
             <a:fld id="{12AABF0E-AA17-4C88-937D-070D96018A74}" type="datetimeFigureOut">
               <a:rPr lang="ko-KR" altLang="en-US" smtClean="0"/>
               <a:pPr/>
-              <a:t>2016-03-15</a:t>
+              <a:t>2016-03-17</a:t>
             </a:fld>
             <a:endParaRPr lang="ko-KR" altLang="en-US"/>
           </a:p>
@@ -3168,7 +3169,7 @@
             <a:fld id="{12AABF0E-AA17-4C88-937D-070D96018A74}" type="datetimeFigureOut">
               <a:rPr lang="ko-KR" altLang="en-US" smtClean="0"/>
               <a:pPr/>
-              <a:t>2016-03-15</a:t>
+              <a:t>2016-03-17</a:t>
             </a:fld>
             <a:endParaRPr lang="ko-KR" altLang="en-US"/>
           </a:p>
@@ -3718,7 +3719,10 @@
           <a:lstStyle/>
           <a:p>
             <a:pPr algn="ctr"/>
-            <a:endParaRPr lang="ko-KR" altLang="en-US"/>
+            <a:endParaRPr lang="ko-KR" altLang="en-US">
+              <a:latin typeface="나눔바른고딕" panose="020B0603020101020101" pitchFamily="50" charset="-127"/>
+              <a:ea typeface="나눔바른고딕" panose="020B0603020101020101" pitchFamily="50" charset="-127"/>
+            </a:endParaRPr>
           </a:p>
         </p:txBody>
       </p:sp>
@@ -3768,7 +3772,10 @@
           <a:lstStyle/>
           <a:p>
             <a:pPr algn="ctr"/>
-            <a:endParaRPr lang="ko-KR" altLang="en-US"/>
+            <a:endParaRPr lang="ko-KR" altLang="en-US">
+              <a:latin typeface="나눔바른고딕" panose="020B0603020101020101" pitchFamily="50" charset="-127"/>
+              <a:ea typeface="나눔바른고딕" panose="020B0603020101020101" pitchFamily="50" charset="-127"/>
+            </a:endParaRPr>
           </a:p>
         </p:txBody>
       </p:sp>
@@ -4063,6 +4070,540 @@
         <p:spPr>
           <a:xfrm>
             <a:off x="395536" y="332656"/>
+            <a:ext cx="2680542" cy="646331"/>
+          </a:xfrm>
+          <a:prstGeom prst="rect">
+            <a:avLst/>
+          </a:prstGeom>
+          <a:noFill/>
+        </p:spPr>
+        <p:txBody>
+          <a:bodyPr wrap="none" rtlCol="0">
+            <a:spAutoFit/>
+          </a:bodyPr>
+          <a:lstStyle/>
+          <a:p>
+            <a:r>
+              <a:rPr lang="en-US" altLang="ko-KR" sz="3600" dirty="0" smtClean="0">
+                <a:solidFill>
+                  <a:schemeClr val="bg1">
+                    <a:lumMod val="65000"/>
+                  </a:schemeClr>
+                </a:solidFill>
+                <a:latin typeface="나눔바른고딕" panose="020B0603020101020101" pitchFamily="50" charset="-127"/>
+                <a:ea typeface="나눔바른고딕" panose="020B0603020101020101" pitchFamily="50" charset="-127"/>
+              </a:rPr>
+              <a:t>03</a:t>
+            </a:r>
+            <a:r>
+              <a:rPr lang="en-US" altLang="ko-KR" sz="3600" dirty="0" smtClean="0">
+                <a:solidFill>
+                  <a:srgbClr val="A80000"/>
+                </a:solidFill>
+                <a:latin typeface="나눔바른고딕" panose="020B0603020101020101" pitchFamily="50" charset="-127"/>
+                <a:ea typeface="나눔바른고딕" panose="020B0603020101020101" pitchFamily="50" charset="-127"/>
+              </a:rPr>
+              <a:t>|</a:t>
+            </a:r>
+            <a:r>
+              <a:rPr lang="en-US" altLang="ko-KR" sz="3600" dirty="0" smtClean="0">
+                <a:latin typeface="나눔바른고딕" panose="020B0603020101020101" pitchFamily="50" charset="-127"/>
+                <a:ea typeface="나눔바른고딕" panose="020B0603020101020101" pitchFamily="50" charset="-127"/>
+              </a:rPr>
+              <a:t> </a:t>
+            </a:r>
+            <a:r>
+              <a:rPr lang="ko-KR" altLang="en-US" sz="3600" dirty="0" smtClean="0">
+                <a:latin typeface="나눔바른고딕" panose="020B0603020101020101" pitchFamily="50" charset="-127"/>
+                <a:ea typeface="나눔바른고딕" panose="020B0603020101020101" pitchFamily="50" charset="-127"/>
+              </a:rPr>
+              <a:t>기대효과</a:t>
+            </a:r>
+            <a:endParaRPr lang="ko-KR" altLang="en-US" sz="3600" dirty="0">
+              <a:latin typeface="나눔바른고딕" panose="020B0603020101020101" pitchFamily="50" charset="-127"/>
+              <a:ea typeface="나눔바른고딕" panose="020B0603020101020101" pitchFamily="50" charset="-127"/>
+            </a:endParaRPr>
+          </a:p>
+        </p:txBody>
+      </p:sp>
+      <p:pic>
+        <p:nvPicPr>
+          <p:cNvPr id="2" name="그림 1"/>
+          <p:cNvPicPr>
+            <a:picLocks noChangeAspect="1"/>
+          </p:cNvPicPr>
+          <p:nvPr/>
+        </p:nvPicPr>
+        <p:blipFill>
+          <a:blip r:embed="rId2">
+            <a:extLst>
+              <a:ext uri="{28A0092B-C50C-407E-A947-70E740481C1C}">
+                <a14:useLocalDpi xmlns:a14="http://schemas.microsoft.com/office/drawing/2010/main" val="0"/>
+              </a:ext>
+            </a:extLst>
+          </a:blip>
+          <a:stretch>
+            <a:fillRect/>
+          </a:stretch>
+        </p:blipFill>
+        <p:spPr>
+          <a:xfrm>
+            <a:off x="683568" y="1741601"/>
+            <a:ext cx="3662830" cy="3662830"/>
+          </a:xfrm>
+          <a:prstGeom prst="rect">
+            <a:avLst/>
+          </a:prstGeom>
+        </p:spPr>
+      </p:pic>
+      <p:pic>
+        <p:nvPicPr>
+          <p:cNvPr id="4" name="그림 3"/>
+          <p:cNvPicPr>
+            <a:picLocks noChangeAspect="1"/>
+          </p:cNvPicPr>
+          <p:nvPr/>
+        </p:nvPicPr>
+        <p:blipFill>
+          <a:blip r:embed="rId3" cstate="print">
+            <a:extLst>
+              <a:ext uri="{28A0092B-C50C-407E-A947-70E740481C1C}">
+                <a14:useLocalDpi xmlns:a14="http://schemas.microsoft.com/office/drawing/2010/main" val="0"/>
+              </a:ext>
+            </a:extLst>
+          </a:blip>
+          <a:stretch>
+            <a:fillRect/>
+          </a:stretch>
+        </p:blipFill>
+        <p:spPr>
+          <a:xfrm>
+            <a:off x="5170644" y="1916832"/>
+            <a:ext cx="3168352" cy="3168352"/>
+          </a:xfrm>
+          <a:prstGeom prst="rect">
+            <a:avLst/>
+          </a:prstGeom>
+        </p:spPr>
+      </p:pic>
+      <p:sp>
+        <p:nvSpPr>
+          <p:cNvPr id="6" name="TextBox 5"/>
+          <p:cNvSpPr txBox="1"/>
+          <p:nvPr/>
+        </p:nvSpPr>
+        <p:spPr>
+          <a:xfrm>
+            <a:off x="4788024" y="2060848"/>
+            <a:ext cx="3550972" cy="1015663"/>
+          </a:xfrm>
+          <a:prstGeom prst="rect">
+            <a:avLst/>
+          </a:prstGeom>
+          <a:noFill/>
+        </p:spPr>
+        <p:txBody>
+          <a:bodyPr wrap="none" rtlCol="0">
+            <a:spAutoFit/>
+          </a:bodyPr>
+          <a:lstStyle/>
+          <a:p>
+            <a:r>
+              <a:rPr lang="en-US" altLang="ko-KR" sz="6000" dirty="0" smtClean="0">
+                <a:latin typeface="나눔바른고딕" pitchFamily="50" charset="-127"/>
+                <a:ea typeface="나눔바른고딕" pitchFamily="50" charset="-127"/>
+              </a:rPr>
+              <a:t># </a:t>
+            </a:r>
+            <a:r>
+              <a:rPr lang="ko-KR" altLang="en-US" sz="6000" dirty="0" smtClean="0">
+                <a:latin typeface="나눔바른고딕" pitchFamily="50" charset="-127"/>
+                <a:ea typeface="나눔바른고딕" pitchFamily="50" charset="-127"/>
+              </a:rPr>
+              <a:t>시간절약</a:t>
+            </a:r>
+            <a:endParaRPr lang="en-US" altLang="ko-KR" sz="4400" dirty="0" smtClean="0">
+              <a:latin typeface="나눔바른고딕" pitchFamily="50" charset="-127"/>
+              <a:ea typeface="나눔바른고딕" pitchFamily="50" charset="-127"/>
+            </a:endParaRPr>
+          </a:p>
+        </p:txBody>
+      </p:sp>
+      <p:sp>
+        <p:nvSpPr>
+          <p:cNvPr id="7" name="TextBox 6"/>
+          <p:cNvSpPr txBox="1"/>
+          <p:nvPr/>
+        </p:nvSpPr>
+        <p:spPr>
+          <a:xfrm>
+            <a:off x="742277" y="2060847"/>
+            <a:ext cx="4237057" cy="1015663"/>
+          </a:xfrm>
+          <a:prstGeom prst="rect">
+            <a:avLst/>
+          </a:prstGeom>
+          <a:noFill/>
+        </p:spPr>
+        <p:txBody>
+          <a:bodyPr wrap="none" rtlCol="0">
+            <a:spAutoFit/>
+          </a:bodyPr>
+          <a:lstStyle/>
+          <a:p>
+            <a:r>
+              <a:rPr lang="en-US" altLang="ko-KR" sz="6000" smtClean="0">
+                <a:latin typeface="나눔바른고딕" pitchFamily="50" charset="-127"/>
+                <a:ea typeface="나눔바른고딕" pitchFamily="50" charset="-127"/>
+              </a:rPr>
+              <a:t># </a:t>
+            </a:r>
+            <a:r>
+              <a:rPr lang="ko-KR" altLang="en-US" sz="6000" dirty="0" smtClean="0">
+                <a:latin typeface="나눔바른고딕" pitchFamily="50" charset="-127"/>
+                <a:ea typeface="나눔바른고딕" pitchFamily="50" charset="-127"/>
+              </a:rPr>
+              <a:t>마케팅전략</a:t>
+            </a:r>
+            <a:endParaRPr lang="en-US" altLang="ko-KR" sz="4400" dirty="0" smtClean="0">
+              <a:latin typeface="나눔바른고딕" pitchFamily="50" charset="-127"/>
+              <a:ea typeface="나눔바른고딕" pitchFamily="50" charset="-127"/>
+            </a:endParaRPr>
+          </a:p>
+        </p:txBody>
+      </p:sp>
+    </p:spTree>
+    <p:extLst>
+      <p:ext uri="{BB962C8B-B14F-4D97-AF65-F5344CB8AC3E}">
+        <p14:creationId xmlns:p14="http://schemas.microsoft.com/office/powerpoint/2010/main" val="2464294724"/>
+      </p:ext>
+    </p:extLst>
+  </p:cSld>
+  <p:clrMapOvr>
+    <a:masterClrMapping/>
+  </p:clrMapOvr>
+  <mc:AlternateContent xmlns:mc="http://schemas.openxmlformats.org/markup-compatibility/2006" xmlns:p14="http://schemas.microsoft.com/office/powerpoint/2010/main">
+    <mc:Choice Requires="p14">
+      <p:transition spd="med" p14:dur="700">
+        <p:fade/>
+      </p:transition>
+    </mc:Choice>
+    <mc:Fallback xmlns="">
+      <p:transition spd="med">
+        <p:fade/>
+      </p:transition>
+    </mc:Fallback>
+  </mc:AlternateContent>
+  <p:timing>
+    <p:tnLst>
+      <p:par>
+        <p:cTn id="1" dur="indefinite" restart="never" nodeType="tmRoot">
+          <p:childTnLst>
+            <p:seq concurrent="1" nextAc="seek">
+              <p:cTn id="2" dur="indefinite" nodeType="mainSeq">
+                <p:childTnLst>
+                  <p:par>
+                    <p:cTn id="3" fill="hold">
+                      <p:stCondLst>
+                        <p:cond delay="indefinite"/>
+                      </p:stCondLst>
+                      <p:childTnLst>
+                        <p:par>
+                          <p:cTn id="4" fill="hold">
+                            <p:stCondLst>
+                              <p:cond delay="0"/>
+                            </p:stCondLst>
+                            <p:childTnLst>
+                              <p:par>
+                                <p:cTn id="5" presetID="22" presetClass="entr" presetSubtype="4" fill="hold" grpId="0" nodeType="clickEffect">
+                                  <p:stCondLst>
+                                    <p:cond delay="0"/>
+                                  </p:stCondLst>
+                                  <p:childTnLst>
+                                    <p:set>
+                                      <p:cBhvr>
+                                        <p:cTn id="6" dur="1" fill="hold">
+                                          <p:stCondLst>
+                                            <p:cond delay="0"/>
+                                          </p:stCondLst>
+                                        </p:cTn>
+                                        <p:tgtEl>
+                                          <p:spTgt spid="6"/>
+                                        </p:tgtEl>
+                                        <p:attrNameLst>
+                                          <p:attrName>style.visibility</p:attrName>
+                                        </p:attrNameLst>
+                                      </p:cBhvr>
+                                      <p:to>
+                                        <p:strVal val="visible"/>
+                                      </p:to>
+                                    </p:set>
+                                    <p:animEffect transition="in" filter="wipe(down)">
+                                      <p:cBhvr>
+                                        <p:cTn id="7" dur="500"/>
+                                        <p:tgtEl>
+                                          <p:spTgt spid="6"/>
+                                        </p:tgtEl>
+                                      </p:cBhvr>
+                                    </p:animEffect>
+                                  </p:childTnLst>
+                                </p:cTn>
+                              </p:par>
+                              <p:par>
+                                <p:cTn id="8" presetID="22" presetClass="entr" presetSubtype="4" fill="hold" nodeType="withEffect">
+                                  <p:stCondLst>
+                                    <p:cond delay="0"/>
+                                  </p:stCondLst>
+                                  <p:childTnLst>
+                                    <p:set>
+                                      <p:cBhvr>
+                                        <p:cTn id="9" dur="1" fill="hold">
+                                          <p:stCondLst>
+                                            <p:cond delay="0"/>
+                                          </p:stCondLst>
+                                        </p:cTn>
+                                        <p:tgtEl>
+                                          <p:spTgt spid="2"/>
+                                        </p:tgtEl>
+                                        <p:attrNameLst>
+                                          <p:attrName>style.visibility</p:attrName>
+                                        </p:attrNameLst>
+                                      </p:cBhvr>
+                                      <p:to>
+                                        <p:strVal val="visible"/>
+                                      </p:to>
+                                    </p:set>
+                                    <p:animEffect transition="in" filter="wipe(down)">
+                                      <p:cBhvr>
+                                        <p:cTn id="10" dur="500"/>
+                                        <p:tgtEl>
+                                          <p:spTgt spid="2"/>
+                                        </p:tgtEl>
+                                      </p:cBhvr>
+                                    </p:animEffect>
+                                  </p:childTnLst>
+                                </p:cTn>
+                              </p:par>
+                            </p:childTnLst>
+                          </p:cTn>
+                        </p:par>
+                      </p:childTnLst>
+                    </p:cTn>
+                  </p:par>
+                  <p:par>
+                    <p:cTn id="11" fill="hold">
+                      <p:stCondLst>
+                        <p:cond delay="indefinite"/>
+                      </p:stCondLst>
+                      <p:childTnLst>
+                        <p:par>
+                          <p:cTn id="12" fill="hold">
+                            <p:stCondLst>
+                              <p:cond delay="0"/>
+                            </p:stCondLst>
+                            <p:childTnLst>
+                              <p:par>
+                                <p:cTn id="13" presetID="22" presetClass="exit" presetSubtype="4" fill="hold" grpId="1" nodeType="clickEffect">
+                                  <p:stCondLst>
+                                    <p:cond delay="0"/>
+                                  </p:stCondLst>
+                                  <p:childTnLst>
+                                    <p:animEffect transition="out" filter="wipe(down)">
+                                      <p:cBhvr>
+                                        <p:cTn id="14" dur="500"/>
+                                        <p:tgtEl>
+                                          <p:spTgt spid="6"/>
+                                        </p:tgtEl>
+                                      </p:cBhvr>
+                                    </p:animEffect>
+                                    <p:set>
+                                      <p:cBhvr>
+                                        <p:cTn id="15" dur="1" fill="hold">
+                                          <p:stCondLst>
+                                            <p:cond delay="499"/>
+                                          </p:stCondLst>
+                                        </p:cTn>
+                                        <p:tgtEl>
+                                          <p:spTgt spid="6"/>
+                                        </p:tgtEl>
+                                        <p:attrNameLst>
+                                          <p:attrName>style.visibility</p:attrName>
+                                        </p:attrNameLst>
+                                      </p:cBhvr>
+                                      <p:to>
+                                        <p:strVal val="hidden"/>
+                                      </p:to>
+                                    </p:set>
+                                  </p:childTnLst>
+                                </p:cTn>
+                              </p:par>
+                              <p:par>
+                                <p:cTn id="16" presetID="22" presetClass="exit" presetSubtype="4" fill="hold" nodeType="withEffect">
+                                  <p:stCondLst>
+                                    <p:cond delay="0"/>
+                                  </p:stCondLst>
+                                  <p:childTnLst>
+                                    <p:animEffect transition="out" filter="wipe(down)">
+                                      <p:cBhvr>
+                                        <p:cTn id="17" dur="500"/>
+                                        <p:tgtEl>
+                                          <p:spTgt spid="2"/>
+                                        </p:tgtEl>
+                                      </p:cBhvr>
+                                    </p:animEffect>
+                                    <p:set>
+                                      <p:cBhvr>
+                                        <p:cTn id="18" dur="1" fill="hold">
+                                          <p:stCondLst>
+                                            <p:cond delay="499"/>
+                                          </p:stCondLst>
+                                        </p:cTn>
+                                        <p:tgtEl>
+                                          <p:spTgt spid="2"/>
+                                        </p:tgtEl>
+                                        <p:attrNameLst>
+                                          <p:attrName>style.visibility</p:attrName>
+                                        </p:attrNameLst>
+                                      </p:cBhvr>
+                                      <p:to>
+                                        <p:strVal val="hidden"/>
+                                      </p:to>
+                                    </p:set>
+                                  </p:childTnLst>
+                                </p:cTn>
+                              </p:par>
+                              <p:par>
+                                <p:cTn id="19" presetID="22" presetClass="entr" presetSubtype="4" fill="hold" nodeType="withEffect">
+                                  <p:stCondLst>
+                                    <p:cond delay="0"/>
+                                  </p:stCondLst>
+                                  <p:childTnLst>
+                                    <p:set>
+                                      <p:cBhvr>
+                                        <p:cTn id="20" dur="1" fill="hold">
+                                          <p:stCondLst>
+                                            <p:cond delay="0"/>
+                                          </p:stCondLst>
+                                        </p:cTn>
+                                        <p:tgtEl>
+                                          <p:spTgt spid="4"/>
+                                        </p:tgtEl>
+                                        <p:attrNameLst>
+                                          <p:attrName>style.visibility</p:attrName>
+                                        </p:attrNameLst>
+                                      </p:cBhvr>
+                                      <p:to>
+                                        <p:strVal val="visible"/>
+                                      </p:to>
+                                    </p:set>
+                                    <p:animEffect transition="in" filter="wipe(down)">
+                                      <p:cBhvr>
+                                        <p:cTn id="21" dur="500"/>
+                                        <p:tgtEl>
+                                          <p:spTgt spid="4"/>
+                                        </p:tgtEl>
+                                      </p:cBhvr>
+                                    </p:animEffect>
+                                  </p:childTnLst>
+                                </p:cTn>
+                              </p:par>
+                              <p:par>
+                                <p:cTn id="22" presetID="22" presetClass="entr" presetSubtype="4" fill="hold" grpId="0" nodeType="withEffect">
+                                  <p:stCondLst>
+                                    <p:cond delay="0"/>
+                                  </p:stCondLst>
+                                  <p:childTnLst>
+                                    <p:set>
+                                      <p:cBhvr>
+                                        <p:cTn id="23" dur="1" fill="hold">
+                                          <p:stCondLst>
+                                            <p:cond delay="0"/>
+                                          </p:stCondLst>
+                                        </p:cTn>
+                                        <p:tgtEl>
+                                          <p:spTgt spid="7"/>
+                                        </p:tgtEl>
+                                        <p:attrNameLst>
+                                          <p:attrName>style.visibility</p:attrName>
+                                        </p:attrNameLst>
+                                      </p:cBhvr>
+                                      <p:to>
+                                        <p:strVal val="visible"/>
+                                      </p:to>
+                                    </p:set>
+                                    <p:animEffect transition="in" filter="wipe(down)">
+                                      <p:cBhvr>
+                                        <p:cTn id="24" dur="500"/>
+                                        <p:tgtEl>
+                                          <p:spTgt spid="7"/>
+                                        </p:tgtEl>
+                                      </p:cBhvr>
+                                    </p:animEffect>
+                                  </p:childTnLst>
+                                </p:cTn>
+                              </p:par>
+                            </p:childTnLst>
+                          </p:cTn>
+                        </p:par>
+                      </p:childTnLst>
+                    </p:cTn>
+                  </p:par>
+                </p:childTnLst>
+              </p:cTn>
+              <p:prevCondLst>
+                <p:cond evt="onPrev" delay="0">
+                  <p:tgtEl>
+                    <p:sldTgt/>
+                  </p:tgtEl>
+                </p:cond>
+              </p:prevCondLst>
+              <p:nextCondLst>
+                <p:cond evt="onNext" delay="0">
+                  <p:tgtEl>
+                    <p:sldTgt/>
+                  </p:tgtEl>
+                </p:cond>
+              </p:nextCondLst>
+            </p:seq>
+          </p:childTnLst>
+        </p:cTn>
+      </p:par>
+    </p:tnLst>
+    <p:bldLst>
+      <p:bldP spid="6" grpId="0"/>
+      <p:bldP spid="6" grpId="1"/>
+      <p:bldP spid="7" grpId="0"/>
+    </p:bldLst>
+  </p:timing>
+</p:sld>
+</file>
+
+<file path=ppt/slides/slide11.xml><?xml version="1.0" encoding="utf-8"?>
+<p:sld xmlns:a="http://schemas.openxmlformats.org/drawingml/2006/main" xmlns:r="http://schemas.openxmlformats.org/officeDocument/2006/relationships" xmlns:p="http://schemas.openxmlformats.org/presentationml/2006/main">
+  <p:cSld>
+    <p:spTree>
+      <p:nvGrpSpPr>
+        <p:cNvPr id="1" name=""/>
+        <p:cNvGrpSpPr/>
+        <p:nvPr/>
+      </p:nvGrpSpPr>
+      <p:grpSpPr>
+        <a:xfrm>
+          <a:off x="0" y="0"/>
+          <a:ext cx="0" cy="0"/>
+          <a:chOff x="0" y="0"/>
+          <a:chExt cx="0" cy="0"/>
+        </a:xfrm>
+      </p:grpSpPr>
+      <p:sp>
+        <p:nvSpPr>
+          <p:cNvPr id="3" name="TextBox 2"/>
+          <p:cNvSpPr txBox="1"/>
+          <p:nvPr/>
+        </p:nvSpPr>
+        <p:spPr>
+          <a:xfrm>
+            <a:off x="395536" y="332656"/>
             <a:ext cx="3196709" cy="646331"/>
           </a:xfrm>
           <a:prstGeom prst="rect">
@@ -4099,7 +4640,7 @@
                 <a:latin typeface="나눔바른고딕" pitchFamily="50" charset="-127"/>
                 <a:ea typeface="나눔바른고딕" pitchFamily="50" charset="-127"/>
               </a:rPr>
-              <a:t>3</a:t>
+              <a:t>4</a:t>
             </a:r>
             <a:r>
               <a:rPr lang="en-US" altLang="ko-KR" sz="3600" dirty="0" smtClean="0">
@@ -4693,7 +5234,7 @@
 </p:sld>
 </file>
 
-<file path=ppt/slides/slide11.xml><?xml version="1.0" encoding="utf-8"?>
+<file path=ppt/slides/slide12.xml><?xml version="1.0" encoding="utf-8"?>
 <p:sld xmlns:a="http://schemas.openxmlformats.org/drawingml/2006/main" xmlns:r="http://schemas.openxmlformats.org/officeDocument/2006/relationships" xmlns:p="http://schemas.openxmlformats.org/presentationml/2006/main">
   <p:cSld>
     <p:spTree>
@@ -4745,7 +5286,7 @@
               <a:t>0</a:t>
             </a:r>
             <a:r>
-              <a:rPr lang="en-US" altLang="ko-KR" sz="3600" dirty="0">
+              <a:rPr lang="en-US" altLang="ko-KR" sz="3600" dirty="0" smtClean="0">
                 <a:solidFill>
                   <a:schemeClr val="tx1">
                     <a:lumMod val="50000"/>
@@ -4755,7 +5296,7 @@
                 <a:latin typeface="나눔바른고딕" pitchFamily="50" charset="-127"/>
                 <a:ea typeface="나눔바른고딕" pitchFamily="50" charset="-127"/>
               </a:rPr>
-              <a:t>4</a:t>
+              <a:t>5</a:t>
             </a:r>
             <a:r>
               <a:rPr lang="en-US" altLang="ko-KR" sz="3600" dirty="0" smtClean="0">
@@ -5609,7 +6150,7 @@
 </p:sld>
 </file>
 
-<file path=ppt/slides/slide12.xml><?xml version="1.0" encoding="utf-8"?>
+<file path=ppt/slides/slide13.xml><?xml version="1.0" encoding="utf-8"?>
 <p:sld xmlns:a="http://schemas.openxmlformats.org/drawingml/2006/main" xmlns:r="http://schemas.openxmlformats.org/officeDocument/2006/relationships" xmlns:p="http://schemas.openxmlformats.org/presentationml/2006/main">
   <p:cSld>
     <p:spTree>
@@ -5635,7 +6176,7 @@
         <p:spPr>
           <a:xfrm>
             <a:off x="395536" y="332656"/>
-            <a:ext cx="3159839" cy="646331"/>
+            <a:ext cx="2784737" cy="646331"/>
           </a:xfrm>
           <a:prstGeom prst="rect">
             <a:avLst/>
@@ -5655,51 +6196,51 @@
                     <a:lumMod val="65000"/>
                   </a:schemeClr>
                 </a:solidFill>
-                <a:latin typeface="a영고딕E" pitchFamily="18" charset="-127"/>
-                <a:ea typeface="a영고딕E" pitchFamily="18" charset="-127"/>
+                <a:latin typeface="나눔바른고딕" panose="020B0603020101020101" pitchFamily="50" charset="-127"/>
+                <a:ea typeface="나눔바른고딕" panose="020B0603020101020101" pitchFamily="50" charset="-127"/>
               </a:rPr>
               <a:t>0</a:t>
             </a:r>
             <a:r>
-              <a:rPr lang="en-US" altLang="ko-KR" sz="3600" dirty="0" smtClean="0">
+              <a:rPr lang="en-US" altLang="ko-KR" sz="3600" dirty="0">
                 <a:solidFill>
                   <a:schemeClr val="tx1">
                     <a:lumMod val="50000"/>
                     <a:lumOff val="50000"/>
                   </a:schemeClr>
                 </a:solidFill>
-                <a:latin typeface="a영고딕E" pitchFamily="18" charset="-127"/>
-                <a:ea typeface="a영고딕E" pitchFamily="18" charset="-127"/>
+                <a:latin typeface="나눔바른고딕" panose="020B0603020101020101" pitchFamily="50" charset="-127"/>
+                <a:ea typeface="나눔바른고딕" panose="020B0603020101020101" pitchFamily="50" charset="-127"/>
               </a:rPr>
-              <a:t>5</a:t>
+              <a:t>6</a:t>
             </a:r>
             <a:r>
               <a:rPr lang="en-US" altLang="ko-KR" sz="3600" dirty="0" smtClean="0">
                 <a:solidFill>
                   <a:srgbClr val="A80000"/>
                 </a:solidFill>
-                <a:latin typeface="a영고딕E" pitchFamily="18" charset="-127"/>
-                <a:ea typeface="a영고딕E" pitchFamily="18" charset="-127"/>
+                <a:latin typeface="나눔바른고딕" panose="020B0603020101020101" pitchFamily="50" charset="-127"/>
+                <a:ea typeface="나눔바른고딕" panose="020B0603020101020101" pitchFamily="50" charset="-127"/>
               </a:rPr>
               <a:t>|</a:t>
             </a:r>
             <a:r>
               <a:rPr lang="en-US" altLang="ko-KR" sz="3600" dirty="0" smtClean="0">
-                <a:latin typeface="a영고딕E" pitchFamily="18" charset="-127"/>
-                <a:ea typeface="a영고딕E" pitchFamily="18" charset="-127"/>
+                <a:latin typeface="나눔바른고딕" panose="020B0603020101020101" pitchFamily="50" charset="-127"/>
+                <a:ea typeface="나눔바른고딕" panose="020B0603020101020101" pitchFamily="50" charset="-127"/>
               </a:rPr>
               <a:t> </a:t>
             </a:r>
             <a:r>
               <a:rPr lang="ko-KR" altLang="en-US" sz="3600" dirty="0" smtClean="0">
-                <a:latin typeface="a영고딕E" pitchFamily="18" charset="-127"/>
-                <a:ea typeface="a영고딕E" pitchFamily="18" charset="-127"/>
+                <a:latin typeface="나눔바른고딕" panose="020B0603020101020101" pitchFamily="50" charset="-127"/>
+                <a:ea typeface="나눔바른고딕" panose="020B0603020101020101" pitchFamily="50" charset="-127"/>
               </a:rPr>
               <a:t>개발 일정</a:t>
             </a:r>
             <a:endParaRPr lang="ko-KR" altLang="en-US" sz="3600" dirty="0">
-              <a:latin typeface="a영고딕E" pitchFamily="18" charset="-127"/>
-              <a:ea typeface="a영고딕E" pitchFamily="18" charset="-127"/>
+              <a:latin typeface="나눔바른고딕" panose="020B0603020101020101" pitchFamily="50" charset="-127"/>
+              <a:ea typeface="나눔바른고딕" panose="020B0603020101020101" pitchFamily="50" charset="-127"/>
             </a:endParaRPr>
           </a:p>
         </p:txBody>
@@ -5766,7 +6307,7 @@
 </p:sld>
 </file>
 
-<file path=ppt/slides/slide13.xml><?xml version="1.0" encoding="utf-8"?>
+<file path=ppt/slides/slide14.xml><?xml version="1.0" encoding="utf-8"?>
 <p:sld xmlns:a="http://schemas.openxmlformats.org/drawingml/2006/main" xmlns:r="http://schemas.openxmlformats.org/officeDocument/2006/relationships" xmlns:p="http://schemas.openxmlformats.org/presentationml/2006/main">
   <p:cSld>
     <p:spTree>
@@ -6332,7 +6873,10 @@
               <a:lstStyle/>
               <a:p>
                 <a:pPr algn="ctr"/>
-                <a:endParaRPr lang="ko-KR" altLang="en-US" dirty="0"/>
+                <a:endParaRPr lang="ko-KR" altLang="en-US" dirty="0">
+                  <a:latin typeface="나눔바른고딕" panose="020B0603020101020101" pitchFamily="50" charset="-127"/>
+                  <a:ea typeface="나눔바른고딕" panose="020B0603020101020101" pitchFamily="50" charset="-127"/>
+                </a:endParaRPr>
               </a:p>
             </p:txBody>
           </p:sp>
@@ -6425,7 +6969,10 @@
               <a:lstStyle/>
               <a:p>
                 <a:pPr algn="ctr"/>
-                <a:endParaRPr lang="ko-KR" altLang="en-US"/>
+                <a:endParaRPr lang="ko-KR" altLang="en-US">
+                  <a:latin typeface="나눔바른고딕" panose="020B0603020101020101" pitchFamily="50" charset="-127"/>
+                  <a:ea typeface="나눔바른고딕" panose="020B0603020101020101" pitchFamily="50" charset="-127"/>
+                </a:endParaRPr>
               </a:p>
             </p:txBody>
           </p:sp>
@@ -6474,7 +7021,10 @@
               <a:lstStyle/>
               <a:p>
                 <a:pPr algn="ctr"/>
-                <a:endParaRPr lang="ko-KR" altLang="en-US"/>
+                <a:endParaRPr lang="ko-KR" altLang="en-US">
+                  <a:latin typeface="나눔바른고딕" panose="020B0603020101020101" pitchFamily="50" charset="-127"/>
+                  <a:ea typeface="나눔바른고딕" panose="020B0603020101020101" pitchFamily="50" charset="-127"/>
+                </a:endParaRPr>
               </a:p>
             </p:txBody>
           </p:sp>
@@ -6523,7 +7073,10 @@
               <a:lstStyle/>
               <a:p>
                 <a:pPr algn="ctr"/>
-                <a:endParaRPr lang="ko-KR" altLang="en-US"/>
+                <a:endParaRPr lang="ko-KR" altLang="en-US">
+                  <a:latin typeface="나눔바른고딕" panose="020B0603020101020101" pitchFamily="50" charset="-127"/>
+                  <a:ea typeface="나눔바른고딕" panose="020B0603020101020101" pitchFamily="50" charset="-127"/>
+                </a:endParaRPr>
               </a:p>
             </p:txBody>
           </p:sp>
@@ -6572,7 +7125,10 @@
               <a:lstStyle/>
               <a:p>
                 <a:pPr algn="ctr"/>
-                <a:endParaRPr lang="ko-KR" altLang="en-US"/>
+                <a:endParaRPr lang="ko-KR" altLang="en-US">
+                  <a:latin typeface="나눔바른고딕" panose="020B0603020101020101" pitchFamily="50" charset="-127"/>
+                  <a:ea typeface="나눔바른고딕" panose="020B0603020101020101" pitchFamily="50" charset="-127"/>
+                </a:endParaRPr>
               </a:p>
             </p:txBody>
           </p:sp>
@@ -6621,7 +7177,10 @@
               <a:lstStyle/>
               <a:p>
                 <a:pPr algn="ctr"/>
-                <a:endParaRPr lang="ko-KR" altLang="en-US"/>
+                <a:endParaRPr lang="ko-KR" altLang="en-US">
+                  <a:latin typeface="나눔바른고딕" panose="020B0603020101020101" pitchFamily="50" charset="-127"/>
+                  <a:ea typeface="나눔바른고딕" panose="020B0603020101020101" pitchFamily="50" charset="-127"/>
+                </a:endParaRPr>
               </a:p>
             </p:txBody>
           </p:sp>
@@ -6670,7 +7229,10 @@
               <a:lstStyle/>
               <a:p>
                 <a:pPr algn="ctr"/>
-                <a:endParaRPr lang="ko-KR" altLang="en-US"/>
+                <a:endParaRPr lang="ko-KR" altLang="en-US">
+                  <a:latin typeface="나눔바른고딕" panose="020B0603020101020101" pitchFamily="50" charset="-127"/>
+                  <a:ea typeface="나눔바른고딕" panose="020B0603020101020101" pitchFamily="50" charset="-127"/>
+                </a:endParaRPr>
               </a:p>
             </p:txBody>
           </p:sp>
@@ -6719,7 +7281,10 @@
               <a:lstStyle/>
               <a:p>
                 <a:pPr algn="ctr"/>
-                <a:endParaRPr lang="ko-KR" altLang="en-US"/>
+                <a:endParaRPr lang="ko-KR" altLang="en-US">
+                  <a:latin typeface="나눔바른고딕" panose="020B0603020101020101" pitchFamily="50" charset="-127"/>
+                  <a:ea typeface="나눔바른고딕" panose="020B0603020101020101" pitchFamily="50" charset="-127"/>
+                </a:endParaRPr>
               </a:p>
             </p:txBody>
           </p:sp>
@@ -6807,7 +7372,10 @@
               <a:lstStyle/>
               <a:p>
                 <a:pPr algn="ctr"/>
-                <a:endParaRPr lang="ko-KR" altLang="en-US"/>
+                <a:endParaRPr lang="ko-KR" altLang="en-US">
+                  <a:latin typeface="나눔바른고딕" panose="020B0603020101020101" pitchFamily="50" charset="-127"/>
+                  <a:ea typeface="나눔바른고딕" panose="020B0603020101020101" pitchFamily="50" charset="-127"/>
+                </a:endParaRPr>
               </a:p>
             </p:txBody>
           </p:sp>
@@ -6835,8 +7403,8 @@
               <a:p>
                 <a:r>
                   <a:rPr lang="ko-KR" altLang="en-US" sz="1600" dirty="0" smtClean="0">
-                    <a:latin typeface="나눔바른고딕" pitchFamily="50" charset="-127"/>
-                    <a:ea typeface="나눔바른고딕" pitchFamily="50" charset="-127"/>
+                    <a:latin typeface="나눔바른고딕" panose="020B0603020101020101" pitchFamily="50" charset="-127"/>
+                    <a:ea typeface="나눔바른고딕" panose="020B0603020101020101" pitchFamily="50" charset="-127"/>
                   </a:rPr>
                   <a:t>입구</a:t>
                 </a:r>
@@ -6919,7 +7487,10 @@
               <a:lstStyle/>
               <a:p>
                 <a:pPr algn="ctr"/>
-                <a:endParaRPr lang="ko-KR" altLang="en-US"/>
+                <a:endParaRPr lang="ko-KR" altLang="en-US">
+                  <a:latin typeface="나눔바른고딕" panose="020B0603020101020101" pitchFamily="50" charset="-127"/>
+                  <a:ea typeface="나눔바른고딕" panose="020B0603020101020101" pitchFamily="50" charset="-127"/>
+                </a:endParaRPr>
               </a:p>
             </p:txBody>
           </p:sp>
@@ -6947,8 +7518,8 @@
               <a:p>
                 <a:r>
                   <a:rPr lang="ko-KR" altLang="en-US" sz="1600" dirty="0" smtClean="0">
-                    <a:latin typeface="나눔바른고딕" pitchFamily="50" charset="-127"/>
-                    <a:ea typeface="나눔바른고딕" pitchFamily="50" charset="-127"/>
+                    <a:latin typeface="나눔바른고딕" panose="020B0603020101020101" pitchFamily="50" charset="-127"/>
+                    <a:ea typeface="나눔바른고딕" panose="020B0603020101020101" pitchFamily="50" charset="-127"/>
                   </a:rPr>
                   <a:t>물건위치</a:t>
                 </a:r>
@@ -7172,6 +7743,1068 @@
         </p:nvSpPr>
         <p:spPr>
           <a:xfrm>
+            <a:off x="2163328" y="1628800"/>
+            <a:ext cx="4402167" cy="1015663"/>
+          </a:xfrm>
+          <a:prstGeom prst="rect">
+            <a:avLst/>
+          </a:prstGeom>
+          <a:noFill/>
+        </p:spPr>
+        <p:txBody>
+          <a:bodyPr wrap="none" rtlCol="0">
+            <a:spAutoFit/>
+          </a:bodyPr>
+          <a:lstStyle/>
+          <a:p>
+            <a:r>
+              <a:rPr lang="en-US" altLang="ko-KR" sz="6000" dirty="0" smtClean="0">
+                <a:latin typeface="나눔바른고딕" pitchFamily="50" charset="-127"/>
+                <a:ea typeface="나눔바른고딕" pitchFamily="50" charset="-127"/>
+              </a:rPr>
+              <a:t>#2 </a:t>
+            </a:r>
+            <a:r>
+              <a:rPr lang="ko-KR" altLang="en-US" sz="4400" dirty="0" smtClean="0">
+                <a:latin typeface="나눔바른고딕" pitchFamily="50" charset="-127"/>
+                <a:ea typeface="나눔바른고딕" pitchFamily="50" charset="-127"/>
+              </a:rPr>
+              <a:t>장바구니 분석</a:t>
+            </a:r>
+            <a:endParaRPr lang="en-US" altLang="ko-KR" sz="4400" dirty="0" smtClean="0">
+              <a:latin typeface="나눔바른고딕" pitchFamily="50" charset="-127"/>
+              <a:ea typeface="나눔바른고딕" pitchFamily="50" charset="-127"/>
+            </a:endParaRPr>
+          </a:p>
+        </p:txBody>
+      </p:sp>
+      <p:pic>
+        <p:nvPicPr>
+          <p:cNvPr id="6" name="그림 5" descr="market-research.png"/>
+          <p:cNvPicPr>
+            <a:picLocks noChangeAspect="1"/>
+          </p:cNvPicPr>
+          <p:nvPr/>
+        </p:nvPicPr>
+        <p:blipFill>
+          <a:blip r:embed="rId3" cstate="print"/>
+          <a:stretch>
+            <a:fillRect/>
+          </a:stretch>
+        </p:blipFill>
+        <p:spPr>
+          <a:xfrm>
+            <a:off x="3455876" y="3645024"/>
+            <a:ext cx="2232248" cy="2232248"/>
+          </a:xfrm>
+          <a:prstGeom prst="rect">
+            <a:avLst/>
+          </a:prstGeom>
+        </p:spPr>
+      </p:pic>
+      <p:sp>
+        <p:nvSpPr>
+          <p:cNvPr id="8" name="TextBox 7"/>
+          <p:cNvSpPr txBox="1"/>
+          <p:nvPr/>
+        </p:nvSpPr>
+        <p:spPr>
+          <a:xfrm>
+            <a:off x="395536" y="332656"/>
+            <a:ext cx="3608680" cy="646331"/>
+          </a:xfrm>
+          <a:prstGeom prst="rect">
+            <a:avLst/>
+          </a:prstGeom>
+          <a:noFill/>
+        </p:spPr>
+        <p:txBody>
+          <a:bodyPr wrap="none" rtlCol="0">
+            <a:spAutoFit/>
+          </a:bodyPr>
+          <a:lstStyle/>
+          <a:p>
+            <a:r>
+              <a:rPr lang="en-US" altLang="ko-KR" sz="3600" dirty="0" smtClean="0">
+                <a:solidFill>
+                  <a:schemeClr val="bg1">
+                    <a:lumMod val="65000"/>
+                  </a:schemeClr>
+                </a:solidFill>
+                <a:latin typeface="나눔바른고딕" pitchFamily="50" charset="-127"/>
+                <a:ea typeface="나눔바른고딕" pitchFamily="50" charset="-127"/>
+              </a:rPr>
+              <a:t>0</a:t>
+            </a:r>
+            <a:r>
+              <a:rPr lang="en-US" altLang="ko-KR" sz="3600" dirty="0" smtClean="0">
+                <a:solidFill>
+                  <a:schemeClr val="tx1">
+                    <a:lumMod val="50000"/>
+                    <a:lumOff val="50000"/>
+                  </a:schemeClr>
+                </a:solidFill>
+                <a:latin typeface="나눔바른고딕" pitchFamily="50" charset="-127"/>
+                <a:ea typeface="나눔바른고딕" pitchFamily="50" charset="-127"/>
+              </a:rPr>
+              <a:t>2</a:t>
+            </a:r>
+            <a:r>
+              <a:rPr lang="en-US" altLang="ko-KR" sz="3600" dirty="0" smtClean="0">
+                <a:solidFill>
+                  <a:srgbClr val="A80000"/>
+                </a:solidFill>
+                <a:latin typeface="나눔바른고딕" pitchFamily="50" charset="-127"/>
+                <a:ea typeface="나눔바른고딕" pitchFamily="50" charset="-127"/>
+              </a:rPr>
+              <a:t>|</a:t>
+            </a:r>
+            <a:r>
+              <a:rPr lang="en-US" altLang="ko-KR" sz="3600" dirty="0" smtClean="0">
+                <a:latin typeface="나눔바른고딕" pitchFamily="50" charset="-127"/>
+                <a:ea typeface="나눔바른고딕" pitchFamily="50" charset="-127"/>
+              </a:rPr>
+              <a:t> </a:t>
+            </a:r>
+            <a:r>
+              <a:rPr lang="ko-KR" altLang="en-US" sz="3600" dirty="0" smtClean="0">
+                <a:latin typeface="나눔바른고딕" pitchFamily="50" charset="-127"/>
+                <a:ea typeface="나눔바른고딕" pitchFamily="50" charset="-127"/>
+              </a:rPr>
+              <a:t>프로그램 소개</a:t>
+            </a:r>
+            <a:endParaRPr lang="ko-KR" altLang="en-US" sz="3600" dirty="0">
+              <a:latin typeface="나눔바른고딕" pitchFamily="50" charset="-127"/>
+              <a:ea typeface="나눔바른고딕" pitchFamily="50" charset="-127"/>
+            </a:endParaRPr>
+          </a:p>
+        </p:txBody>
+      </p:sp>
+      <p:grpSp>
+        <p:nvGrpSpPr>
+          <p:cNvPr id="15" name="그룹 14"/>
+          <p:cNvGrpSpPr/>
+          <p:nvPr/>
+        </p:nvGrpSpPr>
+        <p:grpSpPr>
+          <a:xfrm>
+            <a:off x="5534358" y="980774"/>
+            <a:ext cx="2638042" cy="5904610"/>
+            <a:chOff x="5534358" y="764750"/>
+            <a:chExt cx="2638042" cy="5904610"/>
+          </a:xfrm>
+        </p:grpSpPr>
+        <p:grpSp>
+          <p:nvGrpSpPr>
+            <p:cNvPr id="16" name="그룹 3"/>
+            <p:cNvGrpSpPr/>
+            <p:nvPr/>
+          </p:nvGrpSpPr>
+          <p:grpSpPr>
+            <a:xfrm>
+              <a:off x="5534358" y="764750"/>
+              <a:ext cx="2638042" cy="5904610"/>
+              <a:chOff x="5676216" y="877094"/>
+              <a:chExt cx="2354326" cy="5269582"/>
+            </a:xfrm>
+          </p:grpSpPr>
+          <p:pic>
+            <p:nvPicPr>
+              <p:cNvPr id="22" name="그림 21"/>
+              <p:cNvPicPr>
+                <a:picLocks noChangeAspect="1"/>
+              </p:cNvPicPr>
+              <p:nvPr/>
+            </p:nvPicPr>
+            <p:blipFill>
+              <a:blip r:embed="rId4" cstate="print">
+                <a:extLst>
+                  <a:ext uri="{28A0092B-C50C-407E-A947-70E740481C1C}">
+                    <a14:useLocalDpi xmlns:a14="http://schemas.microsoft.com/office/drawing/2010/main" val="0"/>
+                  </a:ext>
+                </a:extLst>
+              </a:blip>
+              <a:stretch>
+                <a:fillRect/>
+              </a:stretch>
+            </p:blipFill>
+            <p:spPr>
+              <a:xfrm>
+                <a:off x="5676216" y="877094"/>
+                <a:ext cx="2354326" cy="5269582"/>
+              </a:xfrm>
+              <a:prstGeom prst="rect">
+                <a:avLst/>
+              </a:prstGeom>
+            </p:spPr>
+          </p:pic>
+          <p:sp>
+            <p:nvSpPr>
+              <p:cNvPr id="23" name="직사각형 2"/>
+              <p:cNvSpPr/>
+              <p:nvPr/>
+            </p:nvSpPr>
+            <p:spPr>
+              <a:xfrm>
+                <a:off x="5859518" y="1620174"/>
+                <a:ext cx="1991953" cy="2970000"/>
+              </a:xfrm>
+              <a:prstGeom prst="rect">
+                <a:avLst/>
+              </a:prstGeom>
+              <a:solidFill>
+                <a:schemeClr val="bg1">
+                  <a:lumMod val="85000"/>
+                  <a:alpha val="89000"/>
+                </a:schemeClr>
+              </a:solidFill>
+              <a:ln>
+                <a:noFill/>
+              </a:ln>
+            </p:spPr>
+            <p:style>
+              <a:lnRef idx="2">
+                <a:schemeClr val="accent1">
+                  <a:shade val="50000"/>
+                </a:schemeClr>
+              </a:lnRef>
+              <a:fillRef idx="1">
+                <a:schemeClr val="accent1"/>
+              </a:fillRef>
+              <a:effectRef idx="0">
+                <a:schemeClr val="accent1"/>
+              </a:effectRef>
+              <a:fontRef idx="minor">
+                <a:schemeClr val="lt1"/>
+              </a:fontRef>
+            </p:style>
+            <p:txBody>
+              <a:bodyPr rtlCol="0" anchor="ctr"/>
+              <a:lstStyle/>
+              <a:p>
+                <a:pPr algn="ctr"/>
+                <a:endParaRPr lang="ko-KR" altLang="en-US" dirty="0"/>
+              </a:p>
+            </p:txBody>
+          </p:sp>
+        </p:grpSp>
+        <p:sp>
+          <p:nvSpPr>
+            <p:cNvPr id="17" name="TextBox 16"/>
+            <p:cNvSpPr txBox="1"/>
+            <p:nvPr/>
+          </p:nvSpPr>
+          <p:spPr>
+            <a:xfrm>
+              <a:off x="6130264" y="1700808"/>
+              <a:ext cx="1388522" cy="400110"/>
+            </a:xfrm>
+            <a:prstGeom prst="rect">
+              <a:avLst/>
+            </a:prstGeom>
+            <a:noFill/>
+          </p:spPr>
+          <p:txBody>
+            <a:bodyPr wrap="none" rtlCol="0">
+              <a:spAutoFit/>
+            </a:bodyPr>
+            <a:lstStyle/>
+            <a:p>
+              <a:r>
+                <a:rPr lang="ko-KR" altLang="en-US" sz="2000" dirty="0" smtClean="0">
+                  <a:latin typeface="나눔바른고딕" pitchFamily="50" charset="-127"/>
+                  <a:ea typeface="나눔바른고딕" pitchFamily="50" charset="-127"/>
+                </a:rPr>
+                <a:t>내 장바구니</a:t>
+              </a:r>
+              <a:endParaRPr lang="ko-KR" altLang="en-US" sz="2000" dirty="0">
+                <a:latin typeface="나눔바른고딕" pitchFamily="50" charset="-127"/>
+                <a:ea typeface="나눔바른고딕" pitchFamily="50" charset="-127"/>
+              </a:endParaRPr>
+            </a:p>
+          </p:txBody>
+        </p:sp>
+        <p:sp>
+          <p:nvSpPr>
+            <p:cNvPr id="18" name="직사각형 17"/>
+            <p:cNvSpPr/>
+            <p:nvPr/>
+          </p:nvSpPr>
+          <p:spPr>
+            <a:xfrm>
+              <a:off x="5868144" y="3194153"/>
+              <a:ext cx="1983833" cy="1559039"/>
+            </a:xfrm>
+            <a:prstGeom prst="rect">
+              <a:avLst/>
+            </a:prstGeom>
+            <a:solidFill>
+              <a:schemeClr val="bg1"/>
+            </a:solidFill>
+            <a:ln w="19050">
+              <a:noFill/>
+            </a:ln>
+          </p:spPr>
+          <p:style>
+            <a:lnRef idx="2">
+              <a:schemeClr val="accent1">
+                <a:shade val="50000"/>
+              </a:schemeClr>
+            </a:lnRef>
+            <a:fillRef idx="1">
+              <a:schemeClr val="accent1"/>
+            </a:fillRef>
+            <a:effectRef idx="0">
+              <a:schemeClr val="accent1"/>
+            </a:effectRef>
+            <a:fontRef idx="minor">
+              <a:schemeClr val="lt1"/>
+            </a:fontRef>
+          </p:style>
+          <p:txBody>
+            <a:bodyPr rtlCol="0" anchor="ctr"/>
+            <a:lstStyle/>
+            <a:p>
+              <a:pPr algn="just"/>
+              <a:endParaRPr lang="en-US" altLang="ko-KR" sz="1400" dirty="0" smtClean="0">
+                <a:solidFill>
+                  <a:schemeClr val="tx1"/>
+                </a:solidFill>
+                <a:latin typeface="나눔바른고딕" pitchFamily="50" charset="-127"/>
+                <a:ea typeface="나눔바른고딕" pitchFamily="50" charset="-127"/>
+              </a:endParaRPr>
+            </a:p>
+            <a:p>
+              <a:pPr algn="just"/>
+              <a:endParaRPr lang="en-US" altLang="ko-KR" sz="1400" dirty="0">
+                <a:solidFill>
+                  <a:schemeClr val="tx1"/>
+                </a:solidFill>
+                <a:latin typeface="나눔바른고딕" pitchFamily="50" charset="-127"/>
+                <a:ea typeface="나눔바른고딕" pitchFamily="50" charset="-127"/>
+              </a:endParaRPr>
+            </a:p>
+            <a:p>
+              <a:pPr algn="just"/>
+              <a:endParaRPr lang="en-US" altLang="ko-KR" sz="1400" dirty="0" smtClean="0">
+                <a:solidFill>
+                  <a:schemeClr val="tx1"/>
+                </a:solidFill>
+                <a:latin typeface="나눔바른고딕" pitchFamily="50" charset="-127"/>
+                <a:ea typeface="나눔바른고딕" pitchFamily="50" charset="-127"/>
+              </a:endParaRPr>
+            </a:p>
+            <a:p>
+              <a:pPr algn="just"/>
+              <a:endParaRPr lang="en-US" altLang="ko-KR" sz="1400" dirty="0">
+                <a:solidFill>
+                  <a:schemeClr val="tx1"/>
+                </a:solidFill>
+                <a:latin typeface="나눔바른고딕" pitchFamily="50" charset="-127"/>
+                <a:ea typeface="나눔바른고딕" pitchFamily="50" charset="-127"/>
+              </a:endParaRPr>
+            </a:p>
+            <a:p>
+              <a:pPr algn="just"/>
+              <a:endParaRPr lang="en-US" altLang="ko-KR" sz="1400" dirty="0" smtClean="0">
+                <a:solidFill>
+                  <a:schemeClr val="tx1"/>
+                </a:solidFill>
+                <a:latin typeface="나눔바른고딕" pitchFamily="50" charset="-127"/>
+                <a:ea typeface="나눔바른고딕" pitchFamily="50" charset="-127"/>
+              </a:endParaRPr>
+            </a:p>
+            <a:p>
+              <a:pPr algn="just"/>
+              <a:endParaRPr lang="en-US" altLang="ko-KR" sz="1400" dirty="0">
+                <a:solidFill>
+                  <a:schemeClr val="tx1"/>
+                </a:solidFill>
+                <a:latin typeface="나눔바른고딕" pitchFamily="50" charset="-127"/>
+                <a:ea typeface="나눔바른고딕" pitchFamily="50" charset="-127"/>
+              </a:endParaRPr>
+            </a:p>
+            <a:p>
+              <a:pPr algn="just"/>
+              <a:r>
+                <a:rPr lang="ko-KR" altLang="en-US" sz="1400" dirty="0" smtClean="0">
+                  <a:solidFill>
+                    <a:schemeClr val="tx1"/>
+                  </a:solidFill>
+                  <a:latin typeface="나눔바른고딕" pitchFamily="50" charset="-127"/>
+                  <a:ea typeface="나눔바른고딕" pitchFamily="50" charset="-127"/>
+                </a:rPr>
+                <a:t> </a:t>
+              </a:r>
+              <a:r>
+                <a:rPr lang="en-US" altLang="ko-KR" sz="1400" dirty="0" smtClean="0">
+                  <a:solidFill>
+                    <a:schemeClr val="tx1"/>
+                  </a:solidFill>
+                  <a:latin typeface="나눔바른고딕" pitchFamily="50" charset="-127"/>
+                  <a:ea typeface="나눔바른고딕" pitchFamily="50" charset="-127"/>
+                </a:rPr>
+                <a:t> </a:t>
+              </a:r>
+              <a:r>
+                <a:rPr lang="ko-KR" altLang="en-US" sz="1600" dirty="0" smtClean="0">
+                  <a:solidFill>
+                    <a:schemeClr val="accent2">
+                      <a:lumMod val="75000"/>
+                    </a:schemeClr>
+                  </a:solidFill>
+                  <a:latin typeface="나눔바른고딕" pitchFamily="50" charset="-127"/>
+                  <a:ea typeface="나눔바른고딕" pitchFamily="50" charset="-127"/>
+                </a:rPr>
+                <a:t>목록</a:t>
+              </a:r>
+              <a:r>
+                <a:rPr lang="en-US" altLang="ko-KR" sz="1600" dirty="0" smtClean="0">
+                  <a:solidFill>
+                    <a:schemeClr val="accent2">
+                      <a:lumMod val="75000"/>
+                    </a:schemeClr>
+                  </a:solidFill>
+                  <a:latin typeface="나눔바른고딕" pitchFamily="50" charset="-127"/>
+                  <a:ea typeface="나눔바른고딕" pitchFamily="50" charset="-127"/>
+                </a:rPr>
+                <a:t>	 </a:t>
+              </a:r>
+              <a:r>
+                <a:rPr lang="ko-KR" altLang="en-US" sz="1600" dirty="0" smtClean="0">
+                  <a:solidFill>
+                    <a:schemeClr val="accent2">
+                      <a:lumMod val="75000"/>
+                    </a:schemeClr>
+                  </a:solidFill>
+                  <a:latin typeface="나눔바른고딕" pitchFamily="50" charset="-127"/>
+                  <a:ea typeface="나눔바른고딕" pitchFamily="50" charset="-127"/>
+                </a:rPr>
+                <a:t>가격</a:t>
+              </a:r>
+              <a:endParaRPr lang="en-US" altLang="ko-KR" sz="1600" dirty="0" smtClean="0">
+                <a:solidFill>
+                  <a:schemeClr val="accent2">
+                    <a:lumMod val="75000"/>
+                  </a:schemeClr>
+                </a:solidFill>
+                <a:latin typeface="나눔바른고딕" pitchFamily="50" charset="-127"/>
+                <a:ea typeface="나눔바른고딕" pitchFamily="50" charset="-127"/>
+              </a:endParaRPr>
+            </a:p>
+            <a:p>
+              <a:pPr algn="just"/>
+              <a:endParaRPr lang="en-US" altLang="ko-KR" sz="1400" dirty="0">
+                <a:solidFill>
+                  <a:schemeClr val="tx1"/>
+                </a:solidFill>
+                <a:latin typeface="나눔바른고딕" pitchFamily="50" charset="-127"/>
+                <a:ea typeface="나눔바른고딕" pitchFamily="50" charset="-127"/>
+              </a:endParaRPr>
+            </a:p>
+            <a:p>
+              <a:pPr algn="just"/>
+              <a:r>
+                <a:rPr lang="ko-KR" altLang="en-US" sz="1400" dirty="0" smtClean="0">
+                  <a:solidFill>
+                    <a:schemeClr val="tx1"/>
+                  </a:solidFill>
+                  <a:latin typeface="나눔바른고딕" pitchFamily="50" charset="-127"/>
+                  <a:ea typeface="나눔바른고딕" pitchFamily="50" charset="-127"/>
+                </a:rPr>
+                <a:t>신라면</a:t>
+              </a:r>
+              <a:r>
+                <a:rPr lang="en-US" altLang="ko-KR" sz="1400" dirty="0" smtClean="0">
+                  <a:solidFill>
+                    <a:schemeClr val="tx1"/>
+                  </a:solidFill>
+                  <a:latin typeface="나눔바른고딕" pitchFamily="50" charset="-127"/>
+                  <a:ea typeface="나눔바른고딕" pitchFamily="50" charset="-127"/>
+                </a:rPr>
+                <a:t>	(720</a:t>
+              </a:r>
+              <a:r>
+                <a:rPr lang="ko-KR" altLang="en-US" sz="1400" dirty="0" smtClean="0">
+                  <a:solidFill>
+                    <a:schemeClr val="tx1"/>
+                  </a:solidFill>
+                  <a:latin typeface="나눔바른고딕" pitchFamily="50" charset="-127"/>
+                  <a:ea typeface="나눔바른고딕" pitchFamily="50" charset="-127"/>
+                </a:rPr>
+                <a:t>원</a:t>
+              </a:r>
+              <a:r>
+                <a:rPr lang="en-US" altLang="ko-KR" sz="1400" dirty="0" smtClean="0">
+                  <a:solidFill>
+                    <a:schemeClr val="tx1"/>
+                  </a:solidFill>
+                  <a:latin typeface="나눔바른고딕" pitchFamily="50" charset="-127"/>
+                  <a:ea typeface="나눔바른고딕" pitchFamily="50" charset="-127"/>
+                </a:rPr>
+                <a:t>)</a:t>
+              </a:r>
+            </a:p>
+            <a:p>
+              <a:pPr algn="just"/>
+              <a:r>
+                <a:rPr lang="ko-KR" altLang="en-US" sz="1400" dirty="0" err="1" smtClean="0">
+                  <a:solidFill>
+                    <a:schemeClr val="tx1"/>
+                  </a:solidFill>
+                  <a:latin typeface="나눔바른고딕" pitchFamily="50" charset="-127"/>
+                  <a:ea typeface="나눔바른고딕" pitchFamily="50" charset="-127"/>
+                </a:rPr>
+                <a:t>오뚜기카레</a:t>
+              </a:r>
+              <a:r>
+                <a:rPr lang="en-US" altLang="ko-KR" sz="1400" dirty="0" smtClean="0">
+                  <a:solidFill>
+                    <a:schemeClr val="tx1"/>
+                  </a:solidFill>
+                  <a:latin typeface="나눔바른고딕" pitchFamily="50" charset="-127"/>
+                  <a:ea typeface="나눔바른고딕" pitchFamily="50" charset="-127"/>
+                </a:rPr>
+                <a:t>	(1420</a:t>
+              </a:r>
+              <a:r>
+                <a:rPr lang="ko-KR" altLang="en-US" sz="1400" dirty="0" smtClean="0">
+                  <a:solidFill>
+                    <a:schemeClr val="tx1"/>
+                  </a:solidFill>
+                  <a:latin typeface="나눔바른고딕" pitchFamily="50" charset="-127"/>
+                  <a:ea typeface="나눔바른고딕" pitchFamily="50" charset="-127"/>
+                </a:rPr>
+                <a:t>원</a:t>
+              </a:r>
+              <a:r>
+                <a:rPr lang="en-US" altLang="ko-KR" sz="1400" dirty="0" smtClean="0">
+                  <a:solidFill>
+                    <a:schemeClr val="tx1"/>
+                  </a:solidFill>
+                  <a:latin typeface="나눔바른고딕" pitchFamily="50" charset="-127"/>
+                  <a:ea typeface="나눔바른고딕" pitchFamily="50" charset="-127"/>
+                </a:rPr>
+                <a:t>)</a:t>
+              </a:r>
+            </a:p>
+            <a:p>
+              <a:pPr algn="just"/>
+              <a:r>
+                <a:rPr lang="ko-KR" altLang="en-US" sz="1400" dirty="0" err="1" smtClean="0">
+                  <a:solidFill>
+                    <a:schemeClr val="tx1"/>
+                  </a:solidFill>
+                  <a:latin typeface="나눔바른고딕" pitchFamily="50" charset="-127"/>
+                  <a:ea typeface="나눔바른고딕" pitchFamily="50" charset="-127"/>
+                </a:rPr>
+                <a:t>밀키스</a:t>
+              </a:r>
+              <a:r>
+                <a:rPr lang="en-US" altLang="ko-KR" sz="1400" dirty="0" smtClean="0">
+                  <a:solidFill>
+                    <a:schemeClr val="tx1"/>
+                  </a:solidFill>
+                  <a:latin typeface="나눔바른고딕" pitchFamily="50" charset="-127"/>
+                  <a:ea typeface="나눔바른고딕" pitchFamily="50" charset="-127"/>
+                </a:rPr>
+                <a:t>1L	(1700</a:t>
+              </a:r>
+              <a:r>
+                <a:rPr lang="ko-KR" altLang="en-US" sz="1400" dirty="0" smtClean="0">
+                  <a:solidFill>
+                    <a:schemeClr val="tx1"/>
+                  </a:solidFill>
+                  <a:latin typeface="나눔바른고딕" pitchFamily="50" charset="-127"/>
+                  <a:ea typeface="나눔바른고딕" pitchFamily="50" charset="-127"/>
+                </a:rPr>
+                <a:t>원</a:t>
+              </a:r>
+              <a:r>
+                <a:rPr lang="en-US" altLang="ko-KR" sz="1400" dirty="0" smtClean="0">
+                  <a:solidFill>
+                    <a:schemeClr val="tx1"/>
+                  </a:solidFill>
+                  <a:latin typeface="나눔바른고딕" pitchFamily="50" charset="-127"/>
+                  <a:ea typeface="나눔바른고딕" pitchFamily="50" charset="-127"/>
+                </a:rPr>
+                <a:t>)</a:t>
+              </a:r>
+            </a:p>
+            <a:p>
+              <a:pPr algn="just"/>
+              <a:endParaRPr lang="en-US" altLang="ko-KR" sz="1400" dirty="0">
+                <a:solidFill>
+                  <a:schemeClr val="tx1"/>
+                </a:solidFill>
+                <a:latin typeface="나눔바른고딕" pitchFamily="50" charset="-127"/>
+                <a:ea typeface="나눔바른고딕" pitchFamily="50" charset="-127"/>
+              </a:endParaRPr>
+            </a:p>
+            <a:p>
+              <a:pPr algn="just"/>
+              <a:endParaRPr lang="en-US" altLang="ko-KR" sz="1400" dirty="0" smtClean="0">
+                <a:solidFill>
+                  <a:schemeClr val="tx1"/>
+                </a:solidFill>
+                <a:latin typeface="나눔바른고딕" pitchFamily="50" charset="-127"/>
+                <a:ea typeface="나눔바른고딕" pitchFamily="50" charset="-127"/>
+              </a:endParaRPr>
+            </a:p>
+            <a:p>
+              <a:pPr algn="just"/>
+              <a:endParaRPr lang="en-US" altLang="ko-KR" sz="1400" dirty="0">
+                <a:solidFill>
+                  <a:schemeClr val="tx1"/>
+                </a:solidFill>
+                <a:latin typeface="나눔바른고딕" pitchFamily="50" charset="-127"/>
+                <a:ea typeface="나눔바른고딕" pitchFamily="50" charset="-127"/>
+              </a:endParaRPr>
+            </a:p>
+            <a:p>
+              <a:pPr algn="just"/>
+              <a:endParaRPr lang="en-US" altLang="ko-KR" sz="1400" dirty="0" smtClean="0">
+                <a:solidFill>
+                  <a:schemeClr val="tx1"/>
+                </a:solidFill>
+                <a:latin typeface="나눔바른고딕" pitchFamily="50" charset="-127"/>
+                <a:ea typeface="나눔바른고딕" pitchFamily="50" charset="-127"/>
+              </a:endParaRPr>
+            </a:p>
+            <a:p>
+              <a:pPr algn="just"/>
+              <a:endParaRPr lang="en-US" altLang="ko-KR" sz="1400" dirty="0">
+                <a:solidFill>
+                  <a:schemeClr val="tx1"/>
+                </a:solidFill>
+                <a:latin typeface="나눔바른고딕" pitchFamily="50" charset="-127"/>
+                <a:ea typeface="나눔바른고딕" pitchFamily="50" charset="-127"/>
+              </a:endParaRPr>
+            </a:p>
+            <a:p>
+              <a:pPr algn="just"/>
+              <a:endParaRPr lang="en-US" altLang="ko-KR" sz="1400" dirty="0" smtClean="0">
+                <a:solidFill>
+                  <a:schemeClr val="tx1"/>
+                </a:solidFill>
+                <a:latin typeface="나눔바른고딕" pitchFamily="50" charset="-127"/>
+                <a:ea typeface="나눔바른고딕" pitchFamily="50" charset="-127"/>
+              </a:endParaRPr>
+            </a:p>
+            <a:p>
+              <a:pPr algn="just"/>
+              <a:endParaRPr lang="ko-KR" altLang="en-US" sz="1400" dirty="0">
+                <a:solidFill>
+                  <a:schemeClr val="tx1"/>
+                </a:solidFill>
+                <a:latin typeface="나눔바른고딕" pitchFamily="50" charset="-127"/>
+                <a:ea typeface="나눔바른고딕" pitchFamily="50" charset="-127"/>
+              </a:endParaRPr>
+            </a:p>
+          </p:txBody>
+        </p:sp>
+        <p:sp>
+          <p:nvSpPr>
+            <p:cNvPr id="19" name="직사각형 18"/>
+            <p:cNvSpPr/>
+            <p:nvPr/>
+          </p:nvSpPr>
+          <p:spPr>
+            <a:xfrm>
+              <a:off x="5868144" y="2160904"/>
+              <a:ext cx="1983833" cy="367130"/>
+            </a:xfrm>
+            <a:prstGeom prst="rect">
+              <a:avLst/>
+            </a:prstGeom>
+            <a:solidFill>
+              <a:schemeClr val="bg1"/>
+            </a:solidFill>
+            <a:ln w="19050">
+              <a:noFill/>
+            </a:ln>
+          </p:spPr>
+          <p:style>
+            <a:lnRef idx="2">
+              <a:schemeClr val="accent1">
+                <a:shade val="50000"/>
+              </a:schemeClr>
+            </a:lnRef>
+            <a:fillRef idx="1">
+              <a:schemeClr val="accent1"/>
+            </a:fillRef>
+            <a:effectRef idx="0">
+              <a:schemeClr val="accent1"/>
+            </a:effectRef>
+            <a:fontRef idx="minor">
+              <a:schemeClr val="lt1"/>
+            </a:fontRef>
+          </p:style>
+          <p:txBody>
+            <a:bodyPr rtlCol="0" anchor="ctr"/>
+            <a:lstStyle/>
+            <a:p>
+              <a:r>
+                <a:rPr lang="ko-KR" altLang="en-US" sz="1400" dirty="0" smtClean="0">
+                  <a:solidFill>
+                    <a:schemeClr val="tx1"/>
+                  </a:solidFill>
+                  <a:latin typeface="나눔바른고딕" pitchFamily="50" charset="-127"/>
+                  <a:ea typeface="나눔바른고딕" pitchFamily="50" charset="-127"/>
+                </a:rPr>
+                <a:t>검색</a:t>
+              </a:r>
+              <a:r>
+                <a:rPr lang="en-US" altLang="ko-KR" sz="1400" dirty="0" smtClean="0">
+                  <a:solidFill>
+                    <a:schemeClr val="tx1"/>
+                  </a:solidFill>
+                  <a:latin typeface="나눔바른고딕" pitchFamily="50" charset="-127"/>
+                  <a:ea typeface="나눔바른고딕" pitchFamily="50" charset="-127"/>
+                </a:rPr>
+                <a:t>:</a:t>
+              </a:r>
+              <a:endParaRPr lang="ko-KR" altLang="en-US" sz="1400" dirty="0">
+                <a:solidFill>
+                  <a:schemeClr val="tx1"/>
+                </a:solidFill>
+                <a:latin typeface="나눔바른고딕" pitchFamily="50" charset="-127"/>
+                <a:ea typeface="나눔바른고딕" pitchFamily="50" charset="-127"/>
+              </a:endParaRPr>
+            </a:p>
+          </p:txBody>
+        </p:sp>
+        <p:sp>
+          <p:nvSpPr>
+            <p:cNvPr id="20" name="모서리가 둥근 직사각형 19"/>
+            <p:cNvSpPr/>
+            <p:nvPr/>
+          </p:nvSpPr>
+          <p:spPr>
+            <a:xfrm>
+              <a:off x="6943477" y="2700128"/>
+              <a:ext cx="905723" cy="325941"/>
+            </a:xfrm>
+            <a:prstGeom prst="roundRect">
+              <a:avLst/>
+            </a:prstGeom>
+            <a:solidFill>
+              <a:srgbClr val="A6C36B"/>
+            </a:solidFill>
+            <a:ln w="19050">
+              <a:noFill/>
+            </a:ln>
+          </p:spPr>
+          <p:style>
+            <a:lnRef idx="2">
+              <a:schemeClr val="accent1">
+                <a:shade val="50000"/>
+              </a:schemeClr>
+            </a:lnRef>
+            <a:fillRef idx="1">
+              <a:schemeClr val="accent1"/>
+            </a:fillRef>
+            <a:effectRef idx="0">
+              <a:schemeClr val="accent1"/>
+            </a:effectRef>
+            <a:fontRef idx="minor">
+              <a:schemeClr val="lt1"/>
+            </a:fontRef>
+          </p:style>
+          <p:txBody>
+            <a:bodyPr rtlCol="0" anchor="ctr"/>
+            <a:lstStyle/>
+            <a:p>
+              <a:pPr algn="ctr"/>
+              <a:r>
+                <a:rPr lang="ko-KR" altLang="en-US" sz="1400" dirty="0" smtClean="0">
+                  <a:solidFill>
+                    <a:schemeClr val="tx1"/>
+                  </a:solidFill>
+                  <a:latin typeface="나눔바른고딕" pitchFamily="50" charset="-127"/>
+                  <a:ea typeface="나눔바른고딕" pitchFamily="50" charset="-127"/>
+                </a:rPr>
+                <a:t>확인</a:t>
+              </a:r>
+              <a:endParaRPr lang="ko-KR" altLang="en-US" sz="1400" dirty="0">
+                <a:solidFill>
+                  <a:schemeClr val="tx1"/>
+                </a:solidFill>
+                <a:latin typeface="나눔바른고딕" pitchFamily="50" charset="-127"/>
+                <a:ea typeface="나눔바른고딕" pitchFamily="50" charset="-127"/>
+              </a:endParaRPr>
+            </a:p>
+          </p:txBody>
+        </p:sp>
+        <p:sp>
+          <p:nvSpPr>
+            <p:cNvPr id="21" name="모서리가 둥근 직사각형 20"/>
+            <p:cNvSpPr/>
+            <p:nvPr/>
+          </p:nvSpPr>
+          <p:spPr>
+            <a:xfrm>
+              <a:off x="5868144" y="2700128"/>
+              <a:ext cx="946938" cy="325941"/>
+            </a:xfrm>
+            <a:prstGeom prst="roundRect">
+              <a:avLst/>
+            </a:prstGeom>
+            <a:solidFill>
+              <a:srgbClr val="FF8181"/>
+            </a:solidFill>
+            <a:ln w="19050">
+              <a:noFill/>
+            </a:ln>
+          </p:spPr>
+          <p:style>
+            <a:lnRef idx="2">
+              <a:schemeClr val="accent1">
+                <a:shade val="50000"/>
+              </a:schemeClr>
+            </a:lnRef>
+            <a:fillRef idx="1">
+              <a:schemeClr val="accent1"/>
+            </a:fillRef>
+            <a:effectRef idx="0">
+              <a:schemeClr val="accent1"/>
+            </a:effectRef>
+            <a:fontRef idx="minor">
+              <a:schemeClr val="lt1"/>
+            </a:fontRef>
+          </p:style>
+          <p:txBody>
+            <a:bodyPr rtlCol="0" anchor="ctr"/>
+            <a:lstStyle/>
+            <a:p>
+              <a:pPr algn="ctr"/>
+              <a:r>
+                <a:rPr lang="ko-KR" altLang="en-US" sz="1400" dirty="0" smtClean="0">
+                  <a:solidFill>
+                    <a:schemeClr val="tx1"/>
+                  </a:solidFill>
+                  <a:latin typeface="나눔바른고딕" pitchFamily="50" charset="-127"/>
+                  <a:ea typeface="나눔바른고딕" pitchFamily="50" charset="-127"/>
+                </a:rPr>
+                <a:t>추가</a:t>
+              </a:r>
+              <a:endParaRPr lang="ko-KR" altLang="en-US" sz="1400" dirty="0">
+                <a:solidFill>
+                  <a:schemeClr val="tx1"/>
+                </a:solidFill>
+                <a:latin typeface="나눔바른고딕" pitchFamily="50" charset="-127"/>
+                <a:ea typeface="나눔바른고딕" pitchFamily="50" charset="-127"/>
+              </a:endParaRPr>
+            </a:p>
+          </p:txBody>
+        </p:sp>
+      </p:grpSp>
+    </p:spTree>
+  </p:cSld>
+  <p:clrMapOvr>
+    <a:masterClrMapping/>
+  </p:clrMapOvr>
+  <mc:AlternateContent xmlns:mc="http://schemas.openxmlformats.org/markup-compatibility/2006" xmlns:p14="http://schemas.microsoft.com/office/powerpoint/2010/main">
+    <mc:Choice Requires="p14">
+      <p:transition spd="med" p14:dur="700">
+        <p:fade/>
+      </p:transition>
+    </mc:Choice>
+    <mc:Fallback xmlns="">
+      <p:transition spd="med">
+        <p:fade/>
+      </p:transition>
+    </mc:Fallback>
+  </mc:AlternateContent>
+  <p:timing>
+    <p:tnLst>
+      <p:par>
+        <p:cTn id="1" dur="indefinite" restart="never" nodeType="tmRoot">
+          <p:childTnLst>
+            <p:seq concurrent="1" nextAc="seek">
+              <p:cTn id="2" dur="indefinite" nodeType="mainSeq">
+                <p:childTnLst>
+                  <p:par>
+                    <p:cTn id="3" fill="hold">
+                      <p:stCondLst>
+                        <p:cond delay="indefinite"/>
+                      </p:stCondLst>
+                      <p:childTnLst>
+                        <p:par>
+                          <p:cTn id="4" fill="hold">
+                            <p:stCondLst>
+                              <p:cond delay="0"/>
+                            </p:stCondLst>
+                            <p:childTnLst>
+                              <p:par>
+                                <p:cTn id="5" presetID="35" presetClass="path" presetSubtype="0" accel="50000" decel="50000" fill="hold" grpId="0" nodeType="clickEffect">
+                                  <p:stCondLst>
+                                    <p:cond delay="0"/>
+                                  </p:stCondLst>
+                                  <p:childTnLst>
+                                    <p:animMotion origin="layout" path="M 0 -4.07407E-6 L -0.19687 -0.00046 " pathEditMode="relative" rAng="0" ptsTypes="AA">
+                                      <p:cBhvr>
+                                        <p:cTn id="6" dur="2000" fill="hold"/>
+                                        <p:tgtEl>
+                                          <p:spTgt spid="4"/>
+                                        </p:tgtEl>
+                                        <p:attrNameLst>
+                                          <p:attrName>ppt_x</p:attrName>
+                                          <p:attrName>ppt_y</p:attrName>
+                                        </p:attrNameLst>
+                                      </p:cBhvr>
+                                      <p:rCtr x="-98" y="0"/>
+                                    </p:animMotion>
+                                  </p:childTnLst>
+                                </p:cTn>
+                              </p:par>
+                              <p:par>
+                                <p:cTn id="7" presetID="10" presetClass="exit" presetSubtype="0" fill="hold" nodeType="withEffect">
+                                  <p:stCondLst>
+                                    <p:cond delay="0"/>
+                                  </p:stCondLst>
+                                  <p:childTnLst>
+                                    <p:animEffect transition="out" filter="fade">
+                                      <p:cBhvr>
+                                        <p:cTn id="8" dur="2000"/>
+                                        <p:tgtEl>
+                                          <p:spTgt spid="6"/>
+                                        </p:tgtEl>
+                                      </p:cBhvr>
+                                    </p:animEffect>
+                                    <p:set>
+                                      <p:cBhvr>
+                                        <p:cTn id="9" dur="1" fill="hold">
+                                          <p:stCondLst>
+                                            <p:cond delay="1999"/>
+                                          </p:stCondLst>
+                                        </p:cTn>
+                                        <p:tgtEl>
+                                          <p:spTgt spid="6"/>
+                                        </p:tgtEl>
+                                        <p:attrNameLst>
+                                          <p:attrName>style.visibility</p:attrName>
+                                        </p:attrNameLst>
+                                      </p:cBhvr>
+                                      <p:to>
+                                        <p:strVal val="hidden"/>
+                                      </p:to>
+                                    </p:set>
+                                  </p:childTnLst>
+                                </p:cTn>
+                              </p:par>
+                            </p:childTnLst>
+                          </p:cTn>
+                        </p:par>
+                      </p:childTnLst>
+                    </p:cTn>
+                  </p:par>
+                  <p:par>
+                    <p:cTn id="10" fill="hold">
+                      <p:stCondLst>
+                        <p:cond delay="indefinite"/>
+                      </p:stCondLst>
+                      <p:childTnLst>
+                        <p:par>
+                          <p:cTn id="11" fill="hold">
+                            <p:stCondLst>
+                              <p:cond delay="0"/>
+                            </p:stCondLst>
+                            <p:childTnLst>
+                              <p:par>
+                                <p:cTn id="12" presetID="10" presetClass="entr" presetSubtype="0" fill="hold" nodeType="clickEffect">
+                                  <p:stCondLst>
+                                    <p:cond delay="0"/>
+                                  </p:stCondLst>
+                                  <p:childTnLst>
+                                    <p:set>
+                                      <p:cBhvr>
+                                        <p:cTn id="13" dur="1" fill="hold">
+                                          <p:stCondLst>
+                                            <p:cond delay="0"/>
+                                          </p:stCondLst>
+                                        </p:cTn>
+                                        <p:tgtEl>
+                                          <p:spTgt spid="15"/>
+                                        </p:tgtEl>
+                                        <p:attrNameLst>
+                                          <p:attrName>style.visibility</p:attrName>
+                                        </p:attrNameLst>
+                                      </p:cBhvr>
+                                      <p:to>
+                                        <p:strVal val="visible"/>
+                                      </p:to>
+                                    </p:set>
+                                    <p:animEffect transition="in" filter="fade">
+                                      <p:cBhvr>
+                                        <p:cTn id="14" dur="2000"/>
+                                        <p:tgtEl>
+                                          <p:spTgt spid="15"/>
+                                        </p:tgtEl>
+                                      </p:cBhvr>
+                                    </p:animEffect>
+                                  </p:childTnLst>
+                                </p:cTn>
+                              </p:par>
+                            </p:childTnLst>
+                          </p:cTn>
+                        </p:par>
+                      </p:childTnLst>
+                    </p:cTn>
+                  </p:par>
+                </p:childTnLst>
+              </p:cTn>
+              <p:prevCondLst>
+                <p:cond evt="onPrev" delay="0">
+                  <p:tgtEl>
+                    <p:sldTgt/>
+                  </p:tgtEl>
+                </p:cond>
+              </p:prevCondLst>
+              <p:nextCondLst>
+                <p:cond evt="onNext" delay="0">
+                  <p:tgtEl>
+                    <p:sldTgt/>
+                  </p:tgtEl>
+                </p:cond>
+              </p:nextCondLst>
+            </p:seq>
+          </p:childTnLst>
+        </p:cTn>
+      </p:par>
+    </p:tnLst>
+    <p:bldLst>
+      <p:bldP spid="4" grpId="0"/>
+    </p:bldLst>
+  </p:timing>
+</p:sld>
+</file>
+
+<file path=ppt/slides/slide5.xml><?xml version="1.0" encoding="utf-8"?>
+<p:sld xmlns:a="http://schemas.openxmlformats.org/drawingml/2006/main" xmlns:r="http://schemas.openxmlformats.org/officeDocument/2006/relationships" xmlns:p="http://schemas.openxmlformats.org/presentationml/2006/main">
+  <p:cSld>
+    <p:spTree>
+      <p:nvGrpSpPr>
+        <p:cNvPr id="1" name=""/>
+        <p:cNvGrpSpPr/>
+        <p:nvPr/>
+      </p:nvGrpSpPr>
+      <p:grpSpPr>
+        <a:xfrm>
+          <a:off x="0" y="0"/>
+          <a:ext cx="0" cy="0"/>
+          <a:chOff x="0" y="0"/>
+          <a:chExt cx="0" cy="0"/>
+        </a:xfrm>
+      </p:grpSpPr>
+      <p:sp>
+        <p:nvSpPr>
+          <p:cNvPr id="4" name="TextBox 3"/>
+          <p:cNvSpPr txBox="1"/>
+          <p:nvPr/>
+        </p:nvSpPr>
+        <p:spPr>
+          <a:xfrm>
             <a:off x="2200197" y="1628800"/>
             <a:ext cx="4402167" cy="1015663"/>
           </a:xfrm>
@@ -7191,7 +8824,7 @@
                 <a:latin typeface="나눔바른고딕" pitchFamily="50" charset="-127"/>
                 <a:ea typeface="나눔바른고딕" pitchFamily="50" charset="-127"/>
               </a:rPr>
-              <a:t>#2 </a:t>
+              <a:t>#3 </a:t>
             </a:r>
             <a:r>
               <a:rPr lang="ko-KR" altLang="en-US" sz="4400" dirty="0" smtClean="0">
@@ -8598,1068 +10231,6 @@
 </p:sld>
 </file>
 
-<file path=ppt/slides/slide5.xml><?xml version="1.0" encoding="utf-8"?>
-<p:sld xmlns:a="http://schemas.openxmlformats.org/drawingml/2006/main" xmlns:r="http://schemas.openxmlformats.org/officeDocument/2006/relationships" xmlns:p="http://schemas.openxmlformats.org/presentationml/2006/main">
-  <p:cSld>
-    <p:spTree>
-      <p:nvGrpSpPr>
-        <p:cNvPr id="1" name=""/>
-        <p:cNvGrpSpPr/>
-        <p:nvPr/>
-      </p:nvGrpSpPr>
-      <p:grpSpPr>
-        <a:xfrm>
-          <a:off x="0" y="0"/>
-          <a:ext cx="0" cy="0"/>
-          <a:chOff x="0" y="0"/>
-          <a:chExt cx="0" cy="0"/>
-        </a:xfrm>
-      </p:grpSpPr>
-      <p:sp>
-        <p:nvSpPr>
-          <p:cNvPr id="4" name="TextBox 3"/>
-          <p:cNvSpPr txBox="1"/>
-          <p:nvPr/>
-        </p:nvSpPr>
-        <p:spPr>
-          <a:xfrm>
-            <a:off x="2163328" y="1628800"/>
-            <a:ext cx="4402167" cy="1015663"/>
-          </a:xfrm>
-          <a:prstGeom prst="rect">
-            <a:avLst/>
-          </a:prstGeom>
-          <a:noFill/>
-        </p:spPr>
-        <p:txBody>
-          <a:bodyPr wrap="none" rtlCol="0">
-            <a:spAutoFit/>
-          </a:bodyPr>
-          <a:lstStyle/>
-          <a:p>
-            <a:r>
-              <a:rPr lang="en-US" altLang="ko-KR" sz="6000" dirty="0" smtClean="0">
-                <a:latin typeface="나눔바른고딕" pitchFamily="50" charset="-127"/>
-                <a:ea typeface="나눔바른고딕" pitchFamily="50" charset="-127"/>
-              </a:rPr>
-              <a:t>#3 </a:t>
-            </a:r>
-            <a:r>
-              <a:rPr lang="ko-KR" altLang="en-US" sz="4400" dirty="0" smtClean="0">
-                <a:latin typeface="나눔바른고딕" pitchFamily="50" charset="-127"/>
-                <a:ea typeface="나눔바른고딕" pitchFamily="50" charset="-127"/>
-              </a:rPr>
-              <a:t>장바구니 분석</a:t>
-            </a:r>
-            <a:endParaRPr lang="en-US" altLang="ko-KR" sz="4400" dirty="0" smtClean="0">
-              <a:latin typeface="나눔바른고딕" pitchFamily="50" charset="-127"/>
-              <a:ea typeface="나눔바른고딕" pitchFamily="50" charset="-127"/>
-            </a:endParaRPr>
-          </a:p>
-        </p:txBody>
-      </p:sp>
-      <p:pic>
-        <p:nvPicPr>
-          <p:cNvPr id="6" name="그림 5" descr="market-research.png"/>
-          <p:cNvPicPr>
-            <a:picLocks noChangeAspect="1"/>
-          </p:cNvPicPr>
-          <p:nvPr/>
-        </p:nvPicPr>
-        <p:blipFill>
-          <a:blip r:embed="rId3" cstate="print"/>
-          <a:stretch>
-            <a:fillRect/>
-          </a:stretch>
-        </p:blipFill>
-        <p:spPr>
-          <a:xfrm>
-            <a:off x="3455876" y="3645024"/>
-            <a:ext cx="2232248" cy="2232248"/>
-          </a:xfrm>
-          <a:prstGeom prst="rect">
-            <a:avLst/>
-          </a:prstGeom>
-        </p:spPr>
-      </p:pic>
-      <p:sp>
-        <p:nvSpPr>
-          <p:cNvPr id="8" name="TextBox 7"/>
-          <p:cNvSpPr txBox="1"/>
-          <p:nvPr/>
-        </p:nvSpPr>
-        <p:spPr>
-          <a:xfrm>
-            <a:off x="395536" y="332656"/>
-            <a:ext cx="3608680" cy="646331"/>
-          </a:xfrm>
-          <a:prstGeom prst="rect">
-            <a:avLst/>
-          </a:prstGeom>
-          <a:noFill/>
-        </p:spPr>
-        <p:txBody>
-          <a:bodyPr wrap="none" rtlCol="0">
-            <a:spAutoFit/>
-          </a:bodyPr>
-          <a:lstStyle/>
-          <a:p>
-            <a:r>
-              <a:rPr lang="en-US" altLang="ko-KR" sz="3600" dirty="0" smtClean="0">
-                <a:solidFill>
-                  <a:schemeClr val="bg1">
-                    <a:lumMod val="65000"/>
-                  </a:schemeClr>
-                </a:solidFill>
-                <a:latin typeface="나눔바른고딕" pitchFamily="50" charset="-127"/>
-                <a:ea typeface="나눔바른고딕" pitchFamily="50" charset="-127"/>
-              </a:rPr>
-              <a:t>0</a:t>
-            </a:r>
-            <a:r>
-              <a:rPr lang="en-US" altLang="ko-KR" sz="3600" dirty="0" smtClean="0">
-                <a:solidFill>
-                  <a:schemeClr val="tx1">
-                    <a:lumMod val="50000"/>
-                    <a:lumOff val="50000"/>
-                  </a:schemeClr>
-                </a:solidFill>
-                <a:latin typeface="나눔바른고딕" pitchFamily="50" charset="-127"/>
-                <a:ea typeface="나눔바른고딕" pitchFamily="50" charset="-127"/>
-              </a:rPr>
-              <a:t>2</a:t>
-            </a:r>
-            <a:r>
-              <a:rPr lang="en-US" altLang="ko-KR" sz="3600" dirty="0" smtClean="0">
-                <a:solidFill>
-                  <a:srgbClr val="A80000"/>
-                </a:solidFill>
-                <a:latin typeface="나눔바른고딕" pitchFamily="50" charset="-127"/>
-                <a:ea typeface="나눔바른고딕" pitchFamily="50" charset="-127"/>
-              </a:rPr>
-              <a:t>|</a:t>
-            </a:r>
-            <a:r>
-              <a:rPr lang="en-US" altLang="ko-KR" sz="3600" dirty="0" smtClean="0">
-                <a:latin typeface="나눔바른고딕" pitchFamily="50" charset="-127"/>
-                <a:ea typeface="나눔바른고딕" pitchFamily="50" charset="-127"/>
-              </a:rPr>
-              <a:t> </a:t>
-            </a:r>
-            <a:r>
-              <a:rPr lang="ko-KR" altLang="en-US" sz="3600" dirty="0" smtClean="0">
-                <a:latin typeface="나눔바른고딕" pitchFamily="50" charset="-127"/>
-                <a:ea typeface="나눔바른고딕" pitchFamily="50" charset="-127"/>
-              </a:rPr>
-              <a:t>프로그램 소개</a:t>
-            </a:r>
-            <a:endParaRPr lang="ko-KR" altLang="en-US" sz="3600" dirty="0">
-              <a:latin typeface="나눔바른고딕" pitchFamily="50" charset="-127"/>
-              <a:ea typeface="나눔바른고딕" pitchFamily="50" charset="-127"/>
-            </a:endParaRPr>
-          </a:p>
-        </p:txBody>
-      </p:sp>
-      <p:grpSp>
-        <p:nvGrpSpPr>
-          <p:cNvPr id="15" name="그룹 14"/>
-          <p:cNvGrpSpPr/>
-          <p:nvPr/>
-        </p:nvGrpSpPr>
-        <p:grpSpPr>
-          <a:xfrm>
-            <a:off x="5534358" y="980774"/>
-            <a:ext cx="2638042" cy="5904610"/>
-            <a:chOff x="5534358" y="764750"/>
-            <a:chExt cx="2638042" cy="5904610"/>
-          </a:xfrm>
-        </p:grpSpPr>
-        <p:grpSp>
-          <p:nvGrpSpPr>
-            <p:cNvPr id="16" name="그룹 3"/>
-            <p:cNvGrpSpPr/>
-            <p:nvPr/>
-          </p:nvGrpSpPr>
-          <p:grpSpPr>
-            <a:xfrm>
-              <a:off x="5534358" y="764750"/>
-              <a:ext cx="2638042" cy="5904610"/>
-              <a:chOff x="5676216" y="877094"/>
-              <a:chExt cx="2354326" cy="5269582"/>
-            </a:xfrm>
-          </p:grpSpPr>
-          <p:pic>
-            <p:nvPicPr>
-              <p:cNvPr id="22" name="그림 21"/>
-              <p:cNvPicPr>
-                <a:picLocks noChangeAspect="1"/>
-              </p:cNvPicPr>
-              <p:nvPr/>
-            </p:nvPicPr>
-            <p:blipFill>
-              <a:blip r:embed="rId4" cstate="print">
-                <a:extLst>
-                  <a:ext uri="{28A0092B-C50C-407E-A947-70E740481C1C}">
-                    <a14:useLocalDpi xmlns:a14="http://schemas.microsoft.com/office/drawing/2010/main" val="0"/>
-                  </a:ext>
-                </a:extLst>
-              </a:blip>
-              <a:stretch>
-                <a:fillRect/>
-              </a:stretch>
-            </p:blipFill>
-            <p:spPr>
-              <a:xfrm>
-                <a:off x="5676216" y="877094"/>
-                <a:ext cx="2354326" cy="5269582"/>
-              </a:xfrm>
-              <a:prstGeom prst="rect">
-                <a:avLst/>
-              </a:prstGeom>
-            </p:spPr>
-          </p:pic>
-          <p:sp>
-            <p:nvSpPr>
-              <p:cNvPr id="23" name="직사각형 2"/>
-              <p:cNvSpPr/>
-              <p:nvPr/>
-            </p:nvSpPr>
-            <p:spPr>
-              <a:xfrm>
-                <a:off x="5859518" y="1620174"/>
-                <a:ext cx="1991953" cy="2970000"/>
-              </a:xfrm>
-              <a:prstGeom prst="rect">
-                <a:avLst/>
-              </a:prstGeom>
-              <a:solidFill>
-                <a:schemeClr val="bg1">
-                  <a:lumMod val="85000"/>
-                  <a:alpha val="89000"/>
-                </a:schemeClr>
-              </a:solidFill>
-              <a:ln>
-                <a:noFill/>
-              </a:ln>
-            </p:spPr>
-            <p:style>
-              <a:lnRef idx="2">
-                <a:schemeClr val="accent1">
-                  <a:shade val="50000"/>
-                </a:schemeClr>
-              </a:lnRef>
-              <a:fillRef idx="1">
-                <a:schemeClr val="accent1"/>
-              </a:fillRef>
-              <a:effectRef idx="0">
-                <a:schemeClr val="accent1"/>
-              </a:effectRef>
-              <a:fontRef idx="minor">
-                <a:schemeClr val="lt1"/>
-              </a:fontRef>
-            </p:style>
-            <p:txBody>
-              <a:bodyPr rtlCol="0" anchor="ctr"/>
-              <a:lstStyle/>
-              <a:p>
-                <a:pPr algn="ctr"/>
-                <a:endParaRPr lang="ko-KR" altLang="en-US" dirty="0"/>
-              </a:p>
-            </p:txBody>
-          </p:sp>
-        </p:grpSp>
-        <p:sp>
-          <p:nvSpPr>
-            <p:cNvPr id="17" name="TextBox 16"/>
-            <p:cNvSpPr txBox="1"/>
-            <p:nvPr/>
-          </p:nvSpPr>
-          <p:spPr>
-            <a:xfrm>
-              <a:off x="6130264" y="1700808"/>
-              <a:ext cx="1388522" cy="400110"/>
-            </a:xfrm>
-            <a:prstGeom prst="rect">
-              <a:avLst/>
-            </a:prstGeom>
-            <a:noFill/>
-          </p:spPr>
-          <p:txBody>
-            <a:bodyPr wrap="none" rtlCol="0">
-              <a:spAutoFit/>
-            </a:bodyPr>
-            <a:lstStyle/>
-            <a:p>
-              <a:r>
-                <a:rPr lang="ko-KR" altLang="en-US" sz="2000" dirty="0" smtClean="0">
-                  <a:latin typeface="나눔바른고딕" pitchFamily="50" charset="-127"/>
-                  <a:ea typeface="나눔바른고딕" pitchFamily="50" charset="-127"/>
-                </a:rPr>
-                <a:t>내 장바구니</a:t>
-              </a:r>
-              <a:endParaRPr lang="ko-KR" altLang="en-US" sz="2000" dirty="0">
-                <a:latin typeface="나눔바른고딕" pitchFamily="50" charset="-127"/>
-                <a:ea typeface="나눔바른고딕" pitchFamily="50" charset="-127"/>
-              </a:endParaRPr>
-            </a:p>
-          </p:txBody>
-        </p:sp>
-        <p:sp>
-          <p:nvSpPr>
-            <p:cNvPr id="18" name="직사각형 17"/>
-            <p:cNvSpPr/>
-            <p:nvPr/>
-          </p:nvSpPr>
-          <p:spPr>
-            <a:xfrm>
-              <a:off x="5868144" y="3194153"/>
-              <a:ext cx="1983833" cy="1559039"/>
-            </a:xfrm>
-            <a:prstGeom prst="rect">
-              <a:avLst/>
-            </a:prstGeom>
-            <a:solidFill>
-              <a:schemeClr val="bg1"/>
-            </a:solidFill>
-            <a:ln w="19050">
-              <a:noFill/>
-            </a:ln>
-          </p:spPr>
-          <p:style>
-            <a:lnRef idx="2">
-              <a:schemeClr val="accent1">
-                <a:shade val="50000"/>
-              </a:schemeClr>
-            </a:lnRef>
-            <a:fillRef idx="1">
-              <a:schemeClr val="accent1"/>
-            </a:fillRef>
-            <a:effectRef idx="0">
-              <a:schemeClr val="accent1"/>
-            </a:effectRef>
-            <a:fontRef idx="minor">
-              <a:schemeClr val="lt1"/>
-            </a:fontRef>
-          </p:style>
-          <p:txBody>
-            <a:bodyPr rtlCol="0" anchor="ctr"/>
-            <a:lstStyle/>
-            <a:p>
-              <a:pPr algn="just"/>
-              <a:endParaRPr lang="en-US" altLang="ko-KR" sz="1400" dirty="0" smtClean="0">
-                <a:solidFill>
-                  <a:schemeClr val="tx1"/>
-                </a:solidFill>
-                <a:latin typeface="나눔바른고딕" pitchFamily="50" charset="-127"/>
-                <a:ea typeface="나눔바른고딕" pitchFamily="50" charset="-127"/>
-              </a:endParaRPr>
-            </a:p>
-            <a:p>
-              <a:pPr algn="just"/>
-              <a:endParaRPr lang="en-US" altLang="ko-KR" sz="1400" dirty="0">
-                <a:solidFill>
-                  <a:schemeClr val="tx1"/>
-                </a:solidFill>
-                <a:latin typeface="나눔바른고딕" pitchFamily="50" charset="-127"/>
-                <a:ea typeface="나눔바른고딕" pitchFamily="50" charset="-127"/>
-              </a:endParaRPr>
-            </a:p>
-            <a:p>
-              <a:pPr algn="just"/>
-              <a:endParaRPr lang="en-US" altLang="ko-KR" sz="1400" dirty="0" smtClean="0">
-                <a:solidFill>
-                  <a:schemeClr val="tx1"/>
-                </a:solidFill>
-                <a:latin typeface="나눔바른고딕" pitchFamily="50" charset="-127"/>
-                <a:ea typeface="나눔바른고딕" pitchFamily="50" charset="-127"/>
-              </a:endParaRPr>
-            </a:p>
-            <a:p>
-              <a:pPr algn="just"/>
-              <a:endParaRPr lang="en-US" altLang="ko-KR" sz="1400" dirty="0">
-                <a:solidFill>
-                  <a:schemeClr val="tx1"/>
-                </a:solidFill>
-                <a:latin typeface="나눔바른고딕" pitchFamily="50" charset="-127"/>
-                <a:ea typeface="나눔바른고딕" pitchFamily="50" charset="-127"/>
-              </a:endParaRPr>
-            </a:p>
-            <a:p>
-              <a:pPr algn="just"/>
-              <a:endParaRPr lang="en-US" altLang="ko-KR" sz="1400" dirty="0" smtClean="0">
-                <a:solidFill>
-                  <a:schemeClr val="tx1"/>
-                </a:solidFill>
-                <a:latin typeface="나눔바른고딕" pitchFamily="50" charset="-127"/>
-                <a:ea typeface="나눔바른고딕" pitchFamily="50" charset="-127"/>
-              </a:endParaRPr>
-            </a:p>
-            <a:p>
-              <a:pPr algn="just"/>
-              <a:endParaRPr lang="en-US" altLang="ko-KR" sz="1400" dirty="0">
-                <a:solidFill>
-                  <a:schemeClr val="tx1"/>
-                </a:solidFill>
-                <a:latin typeface="나눔바른고딕" pitchFamily="50" charset="-127"/>
-                <a:ea typeface="나눔바른고딕" pitchFamily="50" charset="-127"/>
-              </a:endParaRPr>
-            </a:p>
-            <a:p>
-              <a:pPr algn="just"/>
-              <a:r>
-                <a:rPr lang="ko-KR" altLang="en-US" sz="1400" dirty="0" smtClean="0">
-                  <a:solidFill>
-                    <a:schemeClr val="tx1"/>
-                  </a:solidFill>
-                  <a:latin typeface="나눔바른고딕" pitchFamily="50" charset="-127"/>
-                  <a:ea typeface="나눔바른고딕" pitchFamily="50" charset="-127"/>
-                </a:rPr>
-                <a:t> </a:t>
-              </a:r>
-              <a:r>
-                <a:rPr lang="en-US" altLang="ko-KR" sz="1400" dirty="0" smtClean="0">
-                  <a:solidFill>
-                    <a:schemeClr val="tx1"/>
-                  </a:solidFill>
-                  <a:latin typeface="나눔바른고딕" pitchFamily="50" charset="-127"/>
-                  <a:ea typeface="나눔바른고딕" pitchFamily="50" charset="-127"/>
-                </a:rPr>
-                <a:t> </a:t>
-              </a:r>
-              <a:r>
-                <a:rPr lang="ko-KR" altLang="en-US" sz="1600" dirty="0" smtClean="0">
-                  <a:solidFill>
-                    <a:schemeClr val="accent2">
-                      <a:lumMod val="75000"/>
-                    </a:schemeClr>
-                  </a:solidFill>
-                  <a:latin typeface="나눔바른고딕" pitchFamily="50" charset="-127"/>
-                  <a:ea typeface="나눔바른고딕" pitchFamily="50" charset="-127"/>
-                </a:rPr>
-                <a:t>목록</a:t>
-              </a:r>
-              <a:r>
-                <a:rPr lang="en-US" altLang="ko-KR" sz="1600" dirty="0" smtClean="0">
-                  <a:solidFill>
-                    <a:schemeClr val="accent2">
-                      <a:lumMod val="75000"/>
-                    </a:schemeClr>
-                  </a:solidFill>
-                  <a:latin typeface="나눔바른고딕" pitchFamily="50" charset="-127"/>
-                  <a:ea typeface="나눔바른고딕" pitchFamily="50" charset="-127"/>
-                </a:rPr>
-                <a:t>	 </a:t>
-              </a:r>
-              <a:r>
-                <a:rPr lang="ko-KR" altLang="en-US" sz="1600" dirty="0" smtClean="0">
-                  <a:solidFill>
-                    <a:schemeClr val="accent2">
-                      <a:lumMod val="75000"/>
-                    </a:schemeClr>
-                  </a:solidFill>
-                  <a:latin typeface="나눔바른고딕" pitchFamily="50" charset="-127"/>
-                  <a:ea typeface="나눔바른고딕" pitchFamily="50" charset="-127"/>
-                </a:rPr>
-                <a:t>가격</a:t>
-              </a:r>
-              <a:endParaRPr lang="en-US" altLang="ko-KR" sz="1600" dirty="0" smtClean="0">
-                <a:solidFill>
-                  <a:schemeClr val="accent2">
-                    <a:lumMod val="75000"/>
-                  </a:schemeClr>
-                </a:solidFill>
-                <a:latin typeface="나눔바른고딕" pitchFamily="50" charset="-127"/>
-                <a:ea typeface="나눔바른고딕" pitchFamily="50" charset="-127"/>
-              </a:endParaRPr>
-            </a:p>
-            <a:p>
-              <a:pPr algn="just"/>
-              <a:endParaRPr lang="en-US" altLang="ko-KR" sz="1400" dirty="0">
-                <a:solidFill>
-                  <a:schemeClr val="tx1"/>
-                </a:solidFill>
-                <a:latin typeface="나눔바른고딕" pitchFamily="50" charset="-127"/>
-                <a:ea typeface="나눔바른고딕" pitchFamily="50" charset="-127"/>
-              </a:endParaRPr>
-            </a:p>
-            <a:p>
-              <a:pPr algn="just"/>
-              <a:r>
-                <a:rPr lang="ko-KR" altLang="en-US" sz="1400" dirty="0" smtClean="0">
-                  <a:solidFill>
-                    <a:schemeClr val="tx1"/>
-                  </a:solidFill>
-                  <a:latin typeface="나눔바른고딕" pitchFamily="50" charset="-127"/>
-                  <a:ea typeface="나눔바른고딕" pitchFamily="50" charset="-127"/>
-                </a:rPr>
-                <a:t>신라면</a:t>
-              </a:r>
-              <a:r>
-                <a:rPr lang="en-US" altLang="ko-KR" sz="1400" dirty="0" smtClean="0">
-                  <a:solidFill>
-                    <a:schemeClr val="tx1"/>
-                  </a:solidFill>
-                  <a:latin typeface="나눔바른고딕" pitchFamily="50" charset="-127"/>
-                  <a:ea typeface="나눔바른고딕" pitchFamily="50" charset="-127"/>
-                </a:rPr>
-                <a:t>	(720</a:t>
-              </a:r>
-              <a:r>
-                <a:rPr lang="ko-KR" altLang="en-US" sz="1400" dirty="0" smtClean="0">
-                  <a:solidFill>
-                    <a:schemeClr val="tx1"/>
-                  </a:solidFill>
-                  <a:latin typeface="나눔바른고딕" pitchFamily="50" charset="-127"/>
-                  <a:ea typeface="나눔바른고딕" pitchFamily="50" charset="-127"/>
-                </a:rPr>
-                <a:t>원</a:t>
-              </a:r>
-              <a:r>
-                <a:rPr lang="en-US" altLang="ko-KR" sz="1400" dirty="0" smtClean="0">
-                  <a:solidFill>
-                    <a:schemeClr val="tx1"/>
-                  </a:solidFill>
-                  <a:latin typeface="나눔바른고딕" pitchFamily="50" charset="-127"/>
-                  <a:ea typeface="나눔바른고딕" pitchFamily="50" charset="-127"/>
-                </a:rPr>
-                <a:t>)</a:t>
-              </a:r>
-            </a:p>
-            <a:p>
-              <a:pPr algn="just"/>
-              <a:r>
-                <a:rPr lang="ko-KR" altLang="en-US" sz="1400" dirty="0" err="1" smtClean="0">
-                  <a:solidFill>
-                    <a:schemeClr val="tx1"/>
-                  </a:solidFill>
-                  <a:latin typeface="나눔바른고딕" pitchFamily="50" charset="-127"/>
-                  <a:ea typeface="나눔바른고딕" pitchFamily="50" charset="-127"/>
-                </a:rPr>
-                <a:t>오뚜기카레</a:t>
-              </a:r>
-              <a:r>
-                <a:rPr lang="en-US" altLang="ko-KR" sz="1400" dirty="0" smtClean="0">
-                  <a:solidFill>
-                    <a:schemeClr val="tx1"/>
-                  </a:solidFill>
-                  <a:latin typeface="나눔바른고딕" pitchFamily="50" charset="-127"/>
-                  <a:ea typeface="나눔바른고딕" pitchFamily="50" charset="-127"/>
-                </a:rPr>
-                <a:t>	(1420</a:t>
-              </a:r>
-              <a:r>
-                <a:rPr lang="ko-KR" altLang="en-US" sz="1400" dirty="0" smtClean="0">
-                  <a:solidFill>
-                    <a:schemeClr val="tx1"/>
-                  </a:solidFill>
-                  <a:latin typeface="나눔바른고딕" pitchFamily="50" charset="-127"/>
-                  <a:ea typeface="나눔바른고딕" pitchFamily="50" charset="-127"/>
-                </a:rPr>
-                <a:t>원</a:t>
-              </a:r>
-              <a:r>
-                <a:rPr lang="en-US" altLang="ko-KR" sz="1400" dirty="0" smtClean="0">
-                  <a:solidFill>
-                    <a:schemeClr val="tx1"/>
-                  </a:solidFill>
-                  <a:latin typeface="나눔바른고딕" pitchFamily="50" charset="-127"/>
-                  <a:ea typeface="나눔바른고딕" pitchFamily="50" charset="-127"/>
-                </a:rPr>
-                <a:t>)</a:t>
-              </a:r>
-            </a:p>
-            <a:p>
-              <a:pPr algn="just"/>
-              <a:r>
-                <a:rPr lang="ko-KR" altLang="en-US" sz="1400" dirty="0" err="1" smtClean="0">
-                  <a:solidFill>
-                    <a:schemeClr val="tx1"/>
-                  </a:solidFill>
-                  <a:latin typeface="나눔바른고딕" pitchFamily="50" charset="-127"/>
-                  <a:ea typeface="나눔바른고딕" pitchFamily="50" charset="-127"/>
-                </a:rPr>
-                <a:t>밀키스</a:t>
-              </a:r>
-              <a:r>
-                <a:rPr lang="en-US" altLang="ko-KR" sz="1400" dirty="0" smtClean="0">
-                  <a:solidFill>
-                    <a:schemeClr val="tx1"/>
-                  </a:solidFill>
-                  <a:latin typeface="나눔바른고딕" pitchFamily="50" charset="-127"/>
-                  <a:ea typeface="나눔바른고딕" pitchFamily="50" charset="-127"/>
-                </a:rPr>
-                <a:t>1L	(1700</a:t>
-              </a:r>
-              <a:r>
-                <a:rPr lang="ko-KR" altLang="en-US" sz="1400" dirty="0" smtClean="0">
-                  <a:solidFill>
-                    <a:schemeClr val="tx1"/>
-                  </a:solidFill>
-                  <a:latin typeface="나눔바른고딕" pitchFamily="50" charset="-127"/>
-                  <a:ea typeface="나눔바른고딕" pitchFamily="50" charset="-127"/>
-                </a:rPr>
-                <a:t>원</a:t>
-              </a:r>
-              <a:r>
-                <a:rPr lang="en-US" altLang="ko-KR" sz="1400" dirty="0" smtClean="0">
-                  <a:solidFill>
-                    <a:schemeClr val="tx1"/>
-                  </a:solidFill>
-                  <a:latin typeface="나눔바른고딕" pitchFamily="50" charset="-127"/>
-                  <a:ea typeface="나눔바른고딕" pitchFamily="50" charset="-127"/>
-                </a:rPr>
-                <a:t>)</a:t>
-              </a:r>
-            </a:p>
-            <a:p>
-              <a:pPr algn="just"/>
-              <a:endParaRPr lang="en-US" altLang="ko-KR" sz="1400" dirty="0">
-                <a:solidFill>
-                  <a:schemeClr val="tx1"/>
-                </a:solidFill>
-                <a:latin typeface="나눔바른고딕" pitchFamily="50" charset="-127"/>
-                <a:ea typeface="나눔바른고딕" pitchFamily="50" charset="-127"/>
-              </a:endParaRPr>
-            </a:p>
-            <a:p>
-              <a:pPr algn="just"/>
-              <a:endParaRPr lang="en-US" altLang="ko-KR" sz="1400" dirty="0" smtClean="0">
-                <a:solidFill>
-                  <a:schemeClr val="tx1"/>
-                </a:solidFill>
-                <a:latin typeface="나눔바른고딕" pitchFamily="50" charset="-127"/>
-                <a:ea typeface="나눔바른고딕" pitchFamily="50" charset="-127"/>
-              </a:endParaRPr>
-            </a:p>
-            <a:p>
-              <a:pPr algn="just"/>
-              <a:endParaRPr lang="en-US" altLang="ko-KR" sz="1400" dirty="0">
-                <a:solidFill>
-                  <a:schemeClr val="tx1"/>
-                </a:solidFill>
-                <a:latin typeface="나눔바른고딕" pitchFamily="50" charset="-127"/>
-                <a:ea typeface="나눔바른고딕" pitchFamily="50" charset="-127"/>
-              </a:endParaRPr>
-            </a:p>
-            <a:p>
-              <a:pPr algn="just"/>
-              <a:endParaRPr lang="en-US" altLang="ko-KR" sz="1400" dirty="0" smtClean="0">
-                <a:solidFill>
-                  <a:schemeClr val="tx1"/>
-                </a:solidFill>
-                <a:latin typeface="나눔바른고딕" pitchFamily="50" charset="-127"/>
-                <a:ea typeface="나눔바른고딕" pitchFamily="50" charset="-127"/>
-              </a:endParaRPr>
-            </a:p>
-            <a:p>
-              <a:pPr algn="just"/>
-              <a:endParaRPr lang="en-US" altLang="ko-KR" sz="1400" dirty="0">
-                <a:solidFill>
-                  <a:schemeClr val="tx1"/>
-                </a:solidFill>
-                <a:latin typeface="나눔바른고딕" pitchFamily="50" charset="-127"/>
-                <a:ea typeface="나눔바른고딕" pitchFamily="50" charset="-127"/>
-              </a:endParaRPr>
-            </a:p>
-            <a:p>
-              <a:pPr algn="just"/>
-              <a:endParaRPr lang="en-US" altLang="ko-KR" sz="1400" dirty="0" smtClean="0">
-                <a:solidFill>
-                  <a:schemeClr val="tx1"/>
-                </a:solidFill>
-                <a:latin typeface="나눔바른고딕" pitchFamily="50" charset="-127"/>
-                <a:ea typeface="나눔바른고딕" pitchFamily="50" charset="-127"/>
-              </a:endParaRPr>
-            </a:p>
-            <a:p>
-              <a:pPr algn="just"/>
-              <a:endParaRPr lang="ko-KR" altLang="en-US" sz="1400" dirty="0">
-                <a:solidFill>
-                  <a:schemeClr val="tx1"/>
-                </a:solidFill>
-                <a:latin typeface="나눔바른고딕" pitchFamily="50" charset="-127"/>
-                <a:ea typeface="나눔바른고딕" pitchFamily="50" charset="-127"/>
-              </a:endParaRPr>
-            </a:p>
-          </p:txBody>
-        </p:sp>
-        <p:sp>
-          <p:nvSpPr>
-            <p:cNvPr id="19" name="직사각형 18"/>
-            <p:cNvSpPr/>
-            <p:nvPr/>
-          </p:nvSpPr>
-          <p:spPr>
-            <a:xfrm>
-              <a:off x="5868144" y="2160904"/>
-              <a:ext cx="1983833" cy="367130"/>
-            </a:xfrm>
-            <a:prstGeom prst="rect">
-              <a:avLst/>
-            </a:prstGeom>
-            <a:solidFill>
-              <a:schemeClr val="bg1"/>
-            </a:solidFill>
-            <a:ln w="19050">
-              <a:noFill/>
-            </a:ln>
-          </p:spPr>
-          <p:style>
-            <a:lnRef idx="2">
-              <a:schemeClr val="accent1">
-                <a:shade val="50000"/>
-              </a:schemeClr>
-            </a:lnRef>
-            <a:fillRef idx="1">
-              <a:schemeClr val="accent1"/>
-            </a:fillRef>
-            <a:effectRef idx="0">
-              <a:schemeClr val="accent1"/>
-            </a:effectRef>
-            <a:fontRef idx="minor">
-              <a:schemeClr val="lt1"/>
-            </a:fontRef>
-          </p:style>
-          <p:txBody>
-            <a:bodyPr rtlCol="0" anchor="ctr"/>
-            <a:lstStyle/>
-            <a:p>
-              <a:r>
-                <a:rPr lang="ko-KR" altLang="en-US" sz="1400" dirty="0" smtClean="0">
-                  <a:solidFill>
-                    <a:schemeClr val="tx1"/>
-                  </a:solidFill>
-                  <a:latin typeface="나눔바른고딕" pitchFamily="50" charset="-127"/>
-                  <a:ea typeface="나눔바른고딕" pitchFamily="50" charset="-127"/>
-                </a:rPr>
-                <a:t>검색</a:t>
-              </a:r>
-              <a:r>
-                <a:rPr lang="en-US" altLang="ko-KR" sz="1400" dirty="0" smtClean="0">
-                  <a:solidFill>
-                    <a:schemeClr val="tx1"/>
-                  </a:solidFill>
-                  <a:latin typeface="나눔바른고딕" pitchFamily="50" charset="-127"/>
-                  <a:ea typeface="나눔바른고딕" pitchFamily="50" charset="-127"/>
-                </a:rPr>
-                <a:t>:</a:t>
-              </a:r>
-              <a:endParaRPr lang="ko-KR" altLang="en-US" sz="1400" dirty="0">
-                <a:solidFill>
-                  <a:schemeClr val="tx1"/>
-                </a:solidFill>
-                <a:latin typeface="나눔바른고딕" pitchFamily="50" charset="-127"/>
-                <a:ea typeface="나눔바른고딕" pitchFamily="50" charset="-127"/>
-              </a:endParaRPr>
-            </a:p>
-          </p:txBody>
-        </p:sp>
-        <p:sp>
-          <p:nvSpPr>
-            <p:cNvPr id="20" name="모서리가 둥근 직사각형 19"/>
-            <p:cNvSpPr/>
-            <p:nvPr/>
-          </p:nvSpPr>
-          <p:spPr>
-            <a:xfrm>
-              <a:off x="6943477" y="2700128"/>
-              <a:ext cx="905723" cy="325941"/>
-            </a:xfrm>
-            <a:prstGeom prst="roundRect">
-              <a:avLst/>
-            </a:prstGeom>
-            <a:solidFill>
-              <a:srgbClr val="A6C36B"/>
-            </a:solidFill>
-            <a:ln w="19050">
-              <a:noFill/>
-            </a:ln>
-          </p:spPr>
-          <p:style>
-            <a:lnRef idx="2">
-              <a:schemeClr val="accent1">
-                <a:shade val="50000"/>
-              </a:schemeClr>
-            </a:lnRef>
-            <a:fillRef idx="1">
-              <a:schemeClr val="accent1"/>
-            </a:fillRef>
-            <a:effectRef idx="0">
-              <a:schemeClr val="accent1"/>
-            </a:effectRef>
-            <a:fontRef idx="minor">
-              <a:schemeClr val="lt1"/>
-            </a:fontRef>
-          </p:style>
-          <p:txBody>
-            <a:bodyPr rtlCol="0" anchor="ctr"/>
-            <a:lstStyle/>
-            <a:p>
-              <a:pPr algn="ctr"/>
-              <a:r>
-                <a:rPr lang="ko-KR" altLang="en-US" sz="1400" dirty="0" smtClean="0">
-                  <a:solidFill>
-                    <a:schemeClr val="tx1"/>
-                  </a:solidFill>
-                  <a:latin typeface="나눔바른고딕" pitchFamily="50" charset="-127"/>
-                  <a:ea typeface="나눔바른고딕" pitchFamily="50" charset="-127"/>
-                </a:rPr>
-                <a:t>확인</a:t>
-              </a:r>
-              <a:endParaRPr lang="ko-KR" altLang="en-US" sz="1400" dirty="0">
-                <a:solidFill>
-                  <a:schemeClr val="tx1"/>
-                </a:solidFill>
-                <a:latin typeface="나눔바른고딕" pitchFamily="50" charset="-127"/>
-                <a:ea typeface="나눔바른고딕" pitchFamily="50" charset="-127"/>
-              </a:endParaRPr>
-            </a:p>
-          </p:txBody>
-        </p:sp>
-        <p:sp>
-          <p:nvSpPr>
-            <p:cNvPr id="21" name="모서리가 둥근 직사각형 20"/>
-            <p:cNvSpPr/>
-            <p:nvPr/>
-          </p:nvSpPr>
-          <p:spPr>
-            <a:xfrm>
-              <a:off x="5868144" y="2700128"/>
-              <a:ext cx="946938" cy="325941"/>
-            </a:xfrm>
-            <a:prstGeom prst="roundRect">
-              <a:avLst/>
-            </a:prstGeom>
-            <a:solidFill>
-              <a:srgbClr val="FF8181"/>
-            </a:solidFill>
-            <a:ln w="19050">
-              <a:noFill/>
-            </a:ln>
-          </p:spPr>
-          <p:style>
-            <a:lnRef idx="2">
-              <a:schemeClr val="accent1">
-                <a:shade val="50000"/>
-              </a:schemeClr>
-            </a:lnRef>
-            <a:fillRef idx="1">
-              <a:schemeClr val="accent1"/>
-            </a:fillRef>
-            <a:effectRef idx="0">
-              <a:schemeClr val="accent1"/>
-            </a:effectRef>
-            <a:fontRef idx="minor">
-              <a:schemeClr val="lt1"/>
-            </a:fontRef>
-          </p:style>
-          <p:txBody>
-            <a:bodyPr rtlCol="0" anchor="ctr"/>
-            <a:lstStyle/>
-            <a:p>
-              <a:pPr algn="ctr"/>
-              <a:r>
-                <a:rPr lang="ko-KR" altLang="en-US" sz="1400" dirty="0" smtClean="0">
-                  <a:solidFill>
-                    <a:schemeClr val="tx1"/>
-                  </a:solidFill>
-                  <a:latin typeface="나눔바른고딕" pitchFamily="50" charset="-127"/>
-                  <a:ea typeface="나눔바른고딕" pitchFamily="50" charset="-127"/>
-                </a:rPr>
-                <a:t>추가</a:t>
-              </a:r>
-              <a:endParaRPr lang="ko-KR" altLang="en-US" sz="1400" dirty="0">
-                <a:solidFill>
-                  <a:schemeClr val="tx1"/>
-                </a:solidFill>
-                <a:latin typeface="나눔바른고딕" pitchFamily="50" charset="-127"/>
-                <a:ea typeface="나눔바른고딕" pitchFamily="50" charset="-127"/>
-              </a:endParaRPr>
-            </a:p>
-          </p:txBody>
-        </p:sp>
-      </p:grpSp>
-    </p:spTree>
-  </p:cSld>
-  <p:clrMapOvr>
-    <a:masterClrMapping/>
-  </p:clrMapOvr>
-  <mc:AlternateContent xmlns:mc="http://schemas.openxmlformats.org/markup-compatibility/2006" xmlns:p14="http://schemas.microsoft.com/office/powerpoint/2010/main">
-    <mc:Choice Requires="p14">
-      <p:transition spd="med" p14:dur="700">
-        <p:fade/>
-      </p:transition>
-    </mc:Choice>
-    <mc:Fallback xmlns="">
-      <p:transition spd="med">
-        <p:fade/>
-      </p:transition>
-    </mc:Fallback>
-  </mc:AlternateContent>
-  <p:timing>
-    <p:tnLst>
-      <p:par>
-        <p:cTn id="1" dur="indefinite" restart="never" nodeType="tmRoot">
-          <p:childTnLst>
-            <p:seq concurrent="1" nextAc="seek">
-              <p:cTn id="2" dur="indefinite" nodeType="mainSeq">
-                <p:childTnLst>
-                  <p:par>
-                    <p:cTn id="3" fill="hold">
-                      <p:stCondLst>
-                        <p:cond delay="indefinite"/>
-                      </p:stCondLst>
-                      <p:childTnLst>
-                        <p:par>
-                          <p:cTn id="4" fill="hold">
-                            <p:stCondLst>
-                              <p:cond delay="0"/>
-                            </p:stCondLst>
-                            <p:childTnLst>
-                              <p:par>
-                                <p:cTn id="5" presetID="35" presetClass="path" presetSubtype="0" accel="50000" decel="50000" fill="hold" grpId="0" nodeType="clickEffect">
-                                  <p:stCondLst>
-                                    <p:cond delay="0"/>
-                                  </p:stCondLst>
-                                  <p:childTnLst>
-                                    <p:animMotion origin="layout" path="M 0 -4.07407E-6 L -0.19687 -0.00046 " pathEditMode="relative" rAng="0" ptsTypes="AA">
-                                      <p:cBhvr>
-                                        <p:cTn id="6" dur="2000" fill="hold"/>
-                                        <p:tgtEl>
-                                          <p:spTgt spid="4"/>
-                                        </p:tgtEl>
-                                        <p:attrNameLst>
-                                          <p:attrName>ppt_x</p:attrName>
-                                          <p:attrName>ppt_y</p:attrName>
-                                        </p:attrNameLst>
-                                      </p:cBhvr>
-                                      <p:rCtr x="-98" y="0"/>
-                                    </p:animMotion>
-                                  </p:childTnLst>
-                                </p:cTn>
-                              </p:par>
-                              <p:par>
-                                <p:cTn id="7" presetID="10" presetClass="exit" presetSubtype="0" fill="hold" nodeType="withEffect">
-                                  <p:stCondLst>
-                                    <p:cond delay="0"/>
-                                  </p:stCondLst>
-                                  <p:childTnLst>
-                                    <p:animEffect transition="out" filter="fade">
-                                      <p:cBhvr>
-                                        <p:cTn id="8" dur="2000"/>
-                                        <p:tgtEl>
-                                          <p:spTgt spid="6"/>
-                                        </p:tgtEl>
-                                      </p:cBhvr>
-                                    </p:animEffect>
-                                    <p:set>
-                                      <p:cBhvr>
-                                        <p:cTn id="9" dur="1" fill="hold">
-                                          <p:stCondLst>
-                                            <p:cond delay="1999"/>
-                                          </p:stCondLst>
-                                        </p:cTn>
-                                        <p:tgtEl>
-                                          <p:spTgt spid="6"/>
-                                        </p:tgtEl>
-                                        <p:attrNameLst>
-                                          <p:attrName>style.visibility</p:attrName>
-                                        </p:attrNameLst>
-                                      </p:cBhvr>
-                                      <p:to>
-                                        <p:strVal val="hidden"/>
-                                      </p:to>
-                                    </p:set>
-                                  </p:childTnLst>
-                                </p:cTn>
-                              </p:par>
-                            </p:childTnLst>
-                          </p:cTn>
-                        </p:par>
-                      </p:childTnLst>
-                    </p:cTn>
-                  </p:par>
-                  <p:par>
-                    <p:cTn id="10" fill="hold">
-                      <p:stCondLst>
-                        <p:cond delay="indefinite"/>
-                      </p:stCondLst>
-                      <p:childTnLst>
-                        <p:par>
-                          <p:cTn id="11" fill="hold">
-                            <p:stCondLst>
-                              <p:cond delay="0"/>
-                            </p:stCondLst>
-                            <p:childTnLst>
-                              <p:par>
-                                <p:cTn id="12" presetID="10" presetClass="entr" presetSubtype="0" fill="hold" nodeType="clickEffect">
-                                  <p:stCondLst>
-                                    <p:cond delay="0"/>
-                                  </p:stCondLst>
-                                  <p:childTnLst>
-                                    <p:set>
-                                      <p:cBhvr>
-                                        <p:cTn id="13" dur="1" fill="hold">
-                                          <p:stCondLst>
-                                            <p:cond delay="0"/>
-                                          </p:stCondLst>
-                                        </p:cTn>
-                                        <p:tgtEl>
-                                          <p:spTgt spid="15"/>
-                                        </p:tgtEl>
-                                        <p:attrNameLst>
-                                          <p:attrName>style.visibility</p:attrName>
-                                        </p:attrNameLst>
-                                      </p:cBhvr>
-                                      <p:to>
-                                        <p:strVal val="visible"/>
-                                      </p:to>
-                                    </p:set>
-                                    <p:animEffect transition="in" filter="fade">
-                                      <p:cBhvr>
-                                        <p:cTn id="14" dur="2000"/>
-                                        <p:tgtEl>
-                                          <p:spTgt spid="15"/>
-                                        </p:tgtEl>
-                                      </p:cBhvr>
-                                    </p:animEffect>
-                                  </p:childTnLst>
-                                </p:cTn>
-                              </p:par>
-                            </p:childTnLst>
-                          </p:cTn>
-                        </p:par>
-                      </p:childTnLst>
-                    </p:cTn>
-                  </p:par>
-                </p:childTnLst>
-              </p:cTn>
-              <p:prevCondLst>
-                <p:cond evt="onPrev" delay="0">
-                  <p:tgtEl>
-                    <p:sldTgt/>
-                  </p:tgtEl>
-                </p:cond>
-              </p:prevCondLst>
-              <p:nextCondLst>
-                <p:cond evt="onNext" delay="0">
-                  <p:tgtEl>
-                    <p:sldTgt/>
-                  </p:tgtEl>
-                </p:cond>
-              </p:nextCondLst>
-            </p:seq>
-          </p:childTnLst>
-        </p:cTn>
-      </p:par>
-    </p:tnLst>
-    <p:bldLst>
-      <p:bldP spid="4" grpId="0"/>
-    </p:bldLst>
-  </p:timing>
-</p:sld>
-</file>
-
 <file path=ppt/slides/slide6.xml><?xml version="1.0" encoding="utf-8"?>
 <p:sld xmlns:a="http://schemas.openxmlformats.org/drawingml/2006/main" xmlns:r="http://schemas.openxmlformats.org/officeDocument/2006/relationships" xmlns:p="http://schemas.openxmlformats.org/presentationml/2006/main">
   <p:cSld>
@@ -9898,7 +10469,10 @@
                   <a:lstStyle/>
                   <a:p>
                     <a:pPr algn="ctr"/>
-                    <a:endParaRPr lang="ko-KR" altLang="en-US" dirty="0"/>
+                    <a:endParaRPr lang="ko-KR" altLang="en-US" dirty="0">
+                      <a:latin typeface="나눔바른고딕" panose="020B0603020101020101" pitchFamily="50" charset="-127"/>
+                      <a:ea typeface="나눔바른고딕" panose="020B0603020101020101" pitchFamily="50" charset="-127"/>
+                    </a:endParaRPr>
                   </a:p>
                 </p:txBody>
               </p:sp>
@@ -9991,7 +10565,10 @@
                   <a:lstStyle/>
                   <a:p>
                     <a:pPr algn="ctr"/>
-                    <a:endParaRPr lang="ko-KR" altLang="en-US"/>
+                    <a:endParaRPr lang="ko-KR" altLang="en-US">
+                      <a:latin typeface="나눔바른고딕" panose="020B0603020101020101" pitchFamily="50" charset="-127"/>
+                      <a:ea typeface="나눔바른고딕" panose="020B0603020101020101" pitchFamily="50" charset="-127"/>
+                    </a:endParaRPr>
                   </a:p>
                 </p:txBody>
               </p:sp>
@@ -10040,7 +10617,10 @@
                   <a:lstStyle/>
                   <a:p>
                     <a:pPr algn="ctr"/>
-                    <a:endParaRPr lang="ko-KR" altLang="en-US"/>
+                    <a:endParaRPr lang="ko-KR" altLang="en-US">
+                      <a:latin typeface="나눔바른고딕" panose="020B0603020101020101" pitchFamily="50" charset="-127"/>
+                      <a:ea typeface="나눔바른고딕" panose="020B0603020101020101" pitchFamily="50" charset="-127"/>
+                    </a:endParaRPr>
                   </a:p>
                 </p:txBody>
               </p:sp>
@@ -10089,7 +10669,10 @@
                   <a:lstStyle/>
                   <a:p>
                     <a:pPr algn="ctr"/>
-                    <a:endParaRPr lang="ko-KR" altLang="en-US"/>
+                    <a:endParaRPr lang="ko-KR" altLang="en-US">
+                      <a:latin typeface="나눔바른고딕" panose="020B0603020101020101" pitchFamily="50" charset="-127"/>
+                      <a:ea typeface="나눔바른고딕" panose="020B0603020101020101" pitchFamily="50" charset="-127"/>
+                    </a:endParaRPr>
                   </a:p>
                 </p:txBody>
               </p:sp>
@@ -10138,7 +10721,10 @@
                   <a:lstStyle/>
                   <a:p>
                     <a:pPr algn="ctr"/>
-                    <a:endParaRPr lang="ko-KR" altLang="en-US"/>
+                    <a:endParaRPr lang="ko-KR" altLang="en-US">
+                      <a:latin typeface="나눔바른고딕" panose="020B0603020101020101" pitchFamily="50" charset="-127"/>
+                      <a:ea typeface="나눔바른고딕" panose="020B0603020101020101" pitchFamily="50" charset="-127"/>
+                    </a:endParaRPr>
                   </a:p>
                 </p:txBody>
               </p:sp>
@@ -10187,7 +10773,10 @@
                   <a:lstStyle/>
                   <a:p>
                     <a:pPr algn="ctr"/>
-                    <a:endParaRPr lang="ko-KR" altLang="en-US"/>
+                    <a:endParaRPr lang="ko-KR" altLang="en-US">
+                      <a:latin typeface="나눔바른고딕" panose="020B0603020101020101" pitchFamily="50" charset="-127"/>
+                      <a:ea typeface="나눔바른고딕" panose="020B0603020101020101" pitchFamily="50" charset="-127"/>
+                    </a:endParaRPr>
                   </a:p>
                 </p:txBody>
               </p:sp>
@@ -10236,7 +10825,10 @@
                   <a:lstStyle/>
                   <a:p>
                     <a:pPr algn="ctr"/>
-                    <a:endParaRPr lang="ko-KR" altLang="en-US"/>
+                    <a:endParaRPr lang="ko-KR" altLang="en-US">
+                      <a:latin typeface="나눔바른고딕" panose="020B0603020101020101" pitchFamily="50" charset="-127"/>
+                      <a:ea typeface="나눔바른고딕" panose="020B0603020101020101" pitchFamily="50" charset="-127"/>
+                    </a:endParaRPr>
                   </a:p>
                 </p:txBody>
               </p:sp>
@@ -10285,7 +10877,10 @@
                   <a:lstStyle/>
                   <a:p>
                     <a:pPr algn="ctr"/>
-                    <a:endParaRPr lang="ko-KR" altLang="en-US"/>
+                    <a:endParaRPr lang="ko-KR" altLang="en-US">
+                      <a:latin typeface="나눔바른고딕" panose="020B0603020101020101" pitchFamily="50" charset="-127"/>
+                      <a:ea typeface="나눔바른고딕" panose="020B0603020101020101" pitchFamily="50" charset="-127"/>
+                    </a:endParaRPr>
                   </a:p>
                 </p:txBody>
               </p:sp>
@@ -10373,7 +10968,10 @@
                   <a:lstStyle/>
                   <a:p>
                     <a:pPr algn="ctr"/>
-                    <a:endParaRPr lang="ko-KR" altLang="en-US"/>
+                    <a:endParaRPr lang="ko-KR" altLang="en-US">
+                      <a:latin typeface="나눔바른고딕" panose="020B0603020101020101" pitchFamily="50" charset="-127"/>
+                      <a:ea typeface="나눔바른고딕" panose="020B0603020101020101" pitchFamily="50" charset="-127"/>
+                    </a:endParaRPr>
                   </a:p>
                 </p:txBody>
               </p:sp>
@@ -10401,14 +10999,14 @@
                   <a:p>
                     <a:r>
                       <a:rPr lang="ko-KR" altLang="en-US" sz="1600" smtClean="0">
-                        <a:latin typeface="a영고딕B" panose="02020600000000000000" pitchFamily="18" charset="-127"/>
-                        <a:ea typeface="a영고딕B" panose="02020600000000000000" pitchFamily="18" charset="-127"/>
+                        <a:latin typeface="나눔바른고딕" panose="020B0603020101020101" pitchFamily="50" charset="-127"/>
+                        <a:ea typeface="나눔바른고딕" panose="020B0603020101020101" pitchFamily="50" charset="-127"/>
                       </a:rPr>
                       <a:t>입구</a:t>
                     </a:r>
                     <a:endParaRPr lang="ko-KR" altLang="en-US" sz="1600" dirty="0">
-                      <a:latin typeface="a영고딕B" panose="02020600000000000000" pitchFamily="18" charset="-127"/>
-                      <a:ea typeface="a영고딕B" panose="02020600000000000000" pitchFamily="18" charset="-127"/>
+                      <a:latin typeface="나눔바른고딕" panose="020B0603020101020101" pitchFamily="50" charset="-127"/>
+                      <a:ea typeface="나눔바른고딕" panose="020B0603020101020101" pitchFamily="50" charset="-127"/>
                     </a:endParaRPr>
                   </a:p>
                 </p:txBody>
@@ -10485,7 +11083,10 @@
                   <a:lstStyle/>
                   <a:p>
                     <a:pPr algn="ctr"/>
-                    <a:endParaRPr lang="ko-KR" altLang="en-US"/>
+                    <a:endParaRPr lang="ko-KR" altLang="en-US">
+                      <a:latin typeface="나눔바른고딕" panose="020B0603020101020101" pitchFamily="50" charset="-127"/>
+                      <a:ea typeface="나눔바른고딕" panose="020B0603020101020101" pitchFamily="50" charset="-127"/>
+                    </a:endParaRPr>
                   </a:p>
                 </p:txBody>
               </p:sp>
@@ -10513,14 +11114,14 @@
                   <a:p>
                     <a:r>
                       <a:rPr lang="en-US" altLang="ko-KR" sz="1600" dirty="0" smtClean="0">
-                        <a:latin typeface="a영고딕B" panose="02020600000000000000" pitchFamily="18" charset="-127"/>
-                        <a:ea typeface="a영고딕B" panose="02020600000000000000" pitchFamily="18" charset="-127"/>
+                        <a:latin typeface="나눔바른고딕" panose="020B0603020101020101" pitchFamily="50" charset="-127"/>
+                        <a:ea typeface="나눔바른고딕" panose="020B0603020101020101" pitchFamily="50" charset="-127"/>
                       </a:rPr>
                       <a:t>3</a:t>
                     </a:r>
                     <a:endParaRPr lang="ko-KR" altLang="en-US" sz="1600" dirty="0">
-                      <a:latin typeface="a영고딕B" panose="02020600000000000000" pitchFamily="18" charset="-127"/>
-                      <a:ea typeface="a영고딕B" panose="02020600000000000000" pitchFamily="18" charset="-127"/>
+                      <a:latin typeface="나눔바른고딕" panose="020B0603020101020101" pitchFamily="50" charset="-127"/>
+                      <a:ea typeface="나눔바른고딕" panose="020B0603020101020101" pitchFamily="50" charset="-127"/>
                     </a:endParaRPr>
                   </a:p>
                 </p:txBody>
@@ -10583,7 +11184,10 @@
                 <a:lstStyle/>
                 <a:p>
                   <a:pPr algn="ctr"/>
-                  <a:endParaRPr lang="ko-KR" altLang="en-US"/>
+                  <a:endParaRPr lang="ko-KR" altLang="en-US">
+                    <a:latin typeface="나눔바른고딕" panose="020B0603020101020101" pitchFamily="50" charset="-127"/>
+                    <a:ea typeface="나눔바른고딕" panose="020B0603020101020101" pitchFamily="50" charset="-127"/>
+                  </a:endParaRPr>
                 </a:p>
               </p:txBody>
             </p:sp>
@@ -10644,7 +11248,10 @@
                 <a:lstStyle/>
                 <a:p>
                   <a:pPr algn="ctr"/>
-                  <a:endParaRPr lang="ko-KR" altLang="en-US"/>
+                  <a:endParaRPr lang="ko-KR" altLang="en-US">
+                    <a:latin typeface="나눔바른고딕" panose="020B0603020101020101" pitchFamily="50" charset="-127"/>
+                    <a:ea typeface="나눔바른고딕" panose="020B0603020101020101" pitchFamily="50" charset="-127"/>
+                  </a:endParaRPr>
                 </a:p>
               </p:txBody>
             </p:sp>
@@ -10672,14 +11279,14 @@
                 <a:p>
                   <a:r>
                     <a:rPr lang="en-US" altLang="ko-KR" sz="1600" dirty="0" smtClean="0">
-                      <a:latin typeface="a영고딕B" panose="02020600000000000000" pitchFamily="18" charset="-127"/>
-                      <a:ea typeface="a영고딕B" panose="02020600000000000000" pitchFamily="18" charset="-127"/>
+                      <a:latin typeface="나눔바른고딕" panose="020B0603020101020101" pitchFamily="50" charset="-127"/>
+                      <a:ea typeface="나눔바른고딕" panose="020B0603020101020101" pitchFamily="50" charset="-127"/>
                     </a:rPr>
                     <a:t>2</a:t>
                   </a:r>
                   <a:endParaRPr lang="ko-KR" altLang="en-US" sz="1600" dirty="0">
-                    <a:latin typeface="a영고딕B" panose="02020600000000000000" pitchFamily="18" charset="-127"/>
-                    <a:ea typeface="a영고딕B" panose="02020600000000000000" pitchFamily="18" charset="-127"/>
+                    <a:latin typeface="나눔바른고딕" panose="020B0603020101020101" pitchFamily="50" charset="-127"/>
+                    <a:ea typeface="나눔바른고딕" panose="020B0603020101020101" pitchFamily="50" charset="-127"/>
                   </a:endParaRPr>
                 </a:p>
               </p:txBody>
@@ -10693,7 +11300,7 @@
               <p:spPr>
                 <a:xfrm>
                   <a:off x="6452731" y="3955554"/>
-                  <a:ext cx="274434" cy="338554"/>
+                  <a:ext cx="304892" cy="338554"/>
                 </a:xfrm>
                 <a:prstGeom prst="rect">
                   <a:avLst/>
@@ -10708,14 +11315,14 @@
                 <a:p>
                   <a:r>
                     <a:rPr lang="en-US" altLang="ko-KR" sz="1600" dirty="0" smtClean="0">
-                      <a:latin typeface="a영고딕B" panose="02020600000000000000" pitchFamily="18" charset="-127"/>
-                      <a:ea typeface="a영고딕B" panose="02020600000000000000" pitchFamily="18" charset="-127"/>
+                      <a:latin typeface="나눔바른고딕" panose="020B0603020101020101" pitchFamily="50" charset="-127"/>
+                      <a:ea typeface="나눔바른고딕" panose="020B0603020101020101" pitchFamily="50" charset="-127"/>
                     </a:rPr>
                     <a:t>1</a:t>
                   </a:r>
                   <a:endParaRPr lang="ko-KR" altLang="en-US" sz="1600" dirty="0">
-                    <a:latin typeface="a영고딕B" panose="02020600000000000000" pitchFamily="18" charset="-127"/>
-                    <a:ea typeface="a영고딕B" panose="02020600000000000000" pitchFamily="18" charset="-127"/>
+                    <a:latin typeface="나눔바른고딕" panose="020B0603020101020101" pitchFamily="50" charset="-127"/>
+                    <a:ea typeface="나눔바른고딕" panose="020B0603020101020101" pitchFamily="50" charset="-127"/>
                   </a:endParaRPr>
                 </a:p>
               </p:txBody>
@@ -11222,7 +11829,10 @@
                   <a:lstStyle/>
                   <a:p>
                     <a:pPr algn="ctr"/>
-                    <a:endParaRPr lang="ko-KR" altLang="en-US" dirty="0"/>
+                    <a:endParaRPr lang="ko-KR" altLang="en-US" dirty="0">
+                      <a:latin typeface="나눔바른고딕" panose="020B0603020101020101" pitchFamily="50" charset="-127"/>
+                      <a:ea typeface="나눔바른고딕" panose="020B0603020101020101" pitchFamily="50" charset="-127"/>
+                    </a:endParaRPr>
                   </a:p>
                 </p:txBody>
               </p:sp>
@@ -11315,7 +11925,10 @@
                   <a:lstStyle/>
                   <a:p>
                     <a:pPr algn="ctr"/>
-                    <a:endParaRPr lang="ko-KR" altLang="en-US"/>
+                    <a:endParaRPr lang="ko-KR" altLang="en-US">
+                      <a:latin typeface="나눔바른고딕" panose="020B0603020101020101" pitchFamily="50" charset="-127"/>
+                      <a:ea typeface="나눔바른고딕" panose="020B0603020101020101" pitchFamily="50" charset="-127"/>
+                    </a:endParaRPr>
                   </a:p>
                 </p:txBody>
               </p:sp>
@@ -11364,7 +11977,10 @@
                   <a:lstStyle/>
                   <a:p>
                     <a:pPr algn="ctr"/>
-                    <a:endParaRPr lang="ko-KR" altLang="en-US"/>
+                    <a:endParaRPr lang="ko-KR" altLang="en-US">
+                      <a:latin typeface="나눔바른고딕" panose="020B0603020101020101" pitchFamily="50" charset="-127"/>
+                      <a:ea typeface="나눔바른고딕" panose="020B0603020101020101" pitchFamily="50" charset="-127"/>
+                    </a:endParaRPr>
                   </a:p>
                 </p:txBody>
               </p:sp>
@@ -11413,7 +12029,10 @@
                   <a:lstStyle/>
                   <a:p>
                     <a:pPr algn="ctr"/>
-                    <a:endParaRPr lang="ko-KR" altLang="en-US"/>
+                    <a:endParaRPr lang="ko-KR" altLang="en-US">
+                      <a:latin typeface="나눔바른고딕" panose="020B0603020101020101" pitchFamily="50" charset="-127"/>
+                      <a:ea typeface="나눔바른고딕" panose="020B0603020101020101" pitchFamily="50" charset="-127"/>
+                    </a:endParaRPr>
                   </a:p>
                 </p:txBody>
               </p:sp>
@@ -11462,7 +12081,10 @@
                   <a:lstStyle/>
                   <a:p>
                     <a:pPr algn="ctr"/>
-                    <a:endParaRPr lang="ko-KR" altLang="en-US"/>
+                    <a:endParaRPr lang="ko-KR" altLang="en-US">
+                      <a:latin typeface="나눔바른고딕" panose="020B0603020101020101" pitchFamily="50" charset="-127"/>
+                      <a:ea typeface="나눔바른고딕" panose="020B0603020101020101" pitchFamily="50" charset="-127"/>
+                    </a:endParaRPr>
                   </a:p>
                 </p:txBody>
               </p:sp>
@@ -11511,7 +12133,10 @@
                   <a:lstStyle/>
                   <a:p>
                     <a:pPr algn="ctr"/>
-                    <a:endParaRPr lang="ko-KR" altLang="en-US"/>
+                    <a:endParaRPr lang="ko-KR" altLang="en-US">
+                      <a:latin typeface="나눔바른고딕" panose="020B0603020101020101" pitchFamily="50" charset="-127"/>
+                      <a:ea typeface="나눔바른고딕" panose="020B0603020101020101" pitchFamily="50" charset="-127"/>
+                    </a:endParaRPr>
                   </a:p>
                 </p:txBody>
               </p:sp>
@@ -11560,7 +12185,10 @@
                   <a:lstStyle/>
                   <a:p>
                     <a:pPr algn="ctr"/>
-                    <a:endParaRPr lang="ko-KR" altLang="en-US"/>
+                    <a:endParaRPr lang="ko-KR" altLang="en-US">
+                      <a:latin typeface="나눔바른고딕" panose="020B0603020101020101" pitchFamily="50" charset="-127"/>
+                      <a:ea typeface="나눔바른고딕" panose="020B0603020101020101" pitchFamily="50" charset="-127"/>
+                    </a:endParaRPr>
                   </a:p>
                 </p:txBody>
               </p:sp>
@@ -11609,7 +12237,10 @@
                   <a:lstStyle/>
                   <a:p>
                     <a:pPr algn="ctr"/>
-                    <a:endParaRPr lang="ko-KR" altLang="en-US"/>
+                    <a:endParaRPr lang="ko-KR" altLang="en-US">
+                      <a:latin typeface="나눔바른고딕" panose="020B0603020101020101" pitchFamily="50" charset="-127"/>
+                      <a:ea typeface="나눔바른고딕" panose="020B0603020101020101" pitchFamily="50" charset="-127"/>
+                    </a:endParaRPr>
                   </a:p>
                 </p:txBody>
               </p:sp>
@@ -11697,7 +12328,10 @@
                   <a:lstStyle/>
                   <a:p>
                     <a:pPr algn="ctr"/>
-                    <a:endParaRPr lang="ko-KR" altLang="en-US"/>
+                    <a:endParaRPr lang="ko-KR" altLang="en-US">
+                      <a:latin typeface="나눔바른고딕" panose="020B0603020101020101" pitchFamily="50" charset="-127"/>
+                      <a:ea typeface="나눔바른고딕" panose="020B0603020101020101" pitchFamily="50" charset="-127"/>
+                    </a:endParaRPr>
                   </a:p>
                 </p:txBody>
               </p:sp>
@@ -11725,14 +12359,14 @@
                   <a:p>
                     <a:r>
                       <a:rPr lang="ko-KR" altLang="en-US" sz="1600" smtClean="0">
-                        <a:latin typeface="a영고딕B" panose="02020600000000000000" pitchFamily="18" charset="-127"/>
-                        <a:ea typeface="a영고딕B" panose="02020600000000000000" pitchFamily="18" charset="-127"/>
+                        <a:latin typeface="나눔바른고딕" panose="020B0603020101020101" pitchFamily="50" charset="-127"/>
+                        <a:ea typeface="나눔바른고딕" panose="020B0603020101020101" pitchFamily="50" charset="-127"/>
                       </a:rPr>
                       <a:t>입구</a:t>
                     </a:r>
                     <a:endParaRPr lang="ko-KR" altLang="en-US" sz="1600" dirty="0">
-                      <a:latin typeface="a영고딕B" panose="02020600000000000000" pitchFamily="18" charset="-127"/>
-                      <a:ea typeface="a영고딕B" panose="02020600000000000000" pitchFamily="18" charset="-127"/>
+                      <a:latin typeface="나눔바른고딕" panose="020B0603020101020101" pitchFamily="50" charset="-127"/>
+                      <a:ea typeface="나눔바른고딕" panose="020B0603020101020101" pitchFamily="50" charset="-127"/>
                     </a:endParaRPr>
                   </a:p>
                 </p:txBody>
@@ -11809,7 +12443,10 @@
                   <a:lstStyle/>
                   <a:p>
                     <a:pPr algn="ctr"/>
-                    <a:endParaRPr lang="ko-KR" altLang="en-US"/>
+                    <a:endParaRPr lang="ko-KR" altLang="en-US">
+                      <a:latin typeface="나눔바른고딕" panose="020B0603020101020101" pitchFamily="50" charset="-127"/>
+                      <a:ea typeface="나눔바른고딕" panose="020B0603020101020101" pitchFamily="50" charset="-127"/>
+                    </a:endParaRPr>
                   </a:p>
                 </p:txBody>
               </p:sp>
@@ -11837,14 +12474,14 @@
                   <a:p>
                     <a:r>
                       <a:rPr lang="en-US" altLang="ko-KR" sz="1600" dirty="0" smtClean="0">
-                        <a:latin typeface="a영고딕B" panose="02020600000000000000" pitchFamily="18" charset="-127"/>
-                        <a:ea typeface="a영고딕B" panose="02020600000000000000" pitchFamily="18" charset="-127"/>
+                        <a:latin typeface="나눔바른고딕" panose="020B0603020101020101" pitchFamily="50" charset="-127"/>
+                        <a:ea typeface="나눔바른고딕" panose="020B0603020101020101" pitchFamily="50" charset="-127"/>
                       </a:rPr>
                       <a:t>3</a:t>
                     </a:r>
                     <a:endParaRPr lang="ko-KR" altLang="en-US" sz="1600" dirty="0">
-                      <a:latin typeface="a영고딕B" panose="02020600000000000000" pitchFamily="18" charset="-127"/>
-                      <a:ea typeface="a영고딕B" panose="02020600000000000000" pitchFamily="18" charset="-127"/>
+                      <a:latin typeface="나눔바른고딕" panose="020B0603020101020101" pitchFamily="50" charset="-127"/>
+                      <a:ea typeface="나눔바른고딕" panose="020B0603020101020101" pitchFamily="50" charset="-127"/>
                     </a:endParaRPr>
                   </a:p>
                 </p:txBody>
@@ -11907,7 +12544,10 @@
                 <a:lstStyle/>
                 <a:p>
                   <a:pPr algn="ctr"/>
-                  <a:endParaRPr lang="ko-KR" altLang="en-US"/>
+                  <a:endParaRPr lang="ko-KR" altLang="en-US">
+                    <a:latin typeface="나눔바른고딕" panose="020B0603020101020101" pitchFamily="50" charset="-127"/>
+                    <a:ea typeface="나눔바른고딕" panose="020B0603020101020101" pitchFamily="50" charset="-127"/>
+                  </a:endParaRPr>
                 </a:p>
               </p:txBody>
             </p:sp>
@@ -11968,7 +12608,10 @@
                 <a:lstStyle/>
                 <a:p>
                   <a:pPr algn="ctr"/>
-                  <a:endParaRPr lang="ko-KR" altLang="en-US"/>
+                  <a:endParaRPr lang="ko-KR" altLang="en-US">
+                    <a:latin typeface="나눔바른고딕" panose="020B0603020101020101" pitchFamily="50" charset="-127"/>
+                    <a:ea typeface="나눔바른고딕" panose="020B0603020101020101" pitchFamily="50" charset="-127"/>
+                  </a:endParaRPr>
                 </a:p>
               </p:txBody>
             </p:sp>
@@ -11996,14 +12639,14 @@
                 <a:p>
                   <a:r>
                     <a:rPr lang="en-US" altLang="ko-KR" sz="1600" dirty="0" smtClean="0">
-                      <a:latin typeface="a영고딕B" panose="02020600000000000000" pitchFamily="18" charset="-127"/>
-                      <a:ea typeface="a영고딕B" panose="02020600000000000000" pitchFamily="18" charset="-127"/>
+                      <a:latin typeface="나눔바른고딕" panose="020B0603020101020101" pitchFamily="50" charset="-127"/>
+                      <a:ea typeface="나눔바른고딕" panose="020B0603020101020101" pitchFamily="50" charset="-127"/>
                     </a:rPr>
                     <a:t>2</a:t>
                   </a:r>
                   <a:endParaRPr lang="ko-KR" altLang="en-US" sz="1600" dirty="0">
-                    <a:latin typeface="a영고딕B" panose="02020600000000000000" pitchFamily="18" charset="-127"/>
-                    <a:ea typeface="a영고딕B" panose="02020600000000000000" pitchFamily="18" charset="-127"/>
+                    <a:latin typeface="나눔바른고딕" panose="020B0603020101020101" pitchFamily="50" charset="-127"/>
+                    <a:ea typeface="나눔바른고딕" panose="020B0603020101020101" pitchFamily="50" charset="-127"/>
                   </a:endParaRPr>
                 </a:p>
               </p:txBody>
@@ -12017,7 +12660,7 @@
               <p:spPr>
                 <a:xfrm>
                   <a:off x="6452731" y="3955554"/>
-                  <a:ext cx="274434" cy="338554"/>
+                  <a:ext cx="304892" cy="338554"/>
                 </a:xfrm>
                 <a:prstGeom prst="rect">
                   <a:avLst/>
@@ -12032,14 +12675,14 @@
                 <a:p>
                   <a:r>
                     <a:rPr lang="en-US" altLang="ko-KR" sz="1600" dirty="0" smtClean="0">
-                      <a:latin typeface="a영고딕B" panose="02020600000000000000" pitchFamily="18" charset="-127"/>
-                      <a:ea typeface="a영고딕B" panose="02020600000000000000" pitchFamily="18" charset="-127"/>
+                      <a:latin typeface="나눔바른고딕" panose="020B0603020101020101" pitchFamily="50" charset="-127"/>
+                      <a:ea typeface="나눔바른고딕" panose="020B0603020101020101" pitchFamily="50" charset="-127"/>
                     </a:rPr>
                     <a:t>1</a:t>
                   </a:r>
                   <a:endParaRPr lang="ko-KR" altLang="en-US" sz="1600" dirty="0">
-                    <a:latin typeface="a영고딕B" panose="02020600000000000000" pitchFamily="18" charset="-127"/>
-                    <a:ea typeface="a영고딕B" panose="02020600000000000000" pitchFamily="18" charset="-127"/>
+                    <a:latin typeface="나눔바른고딕" panose="020B0603020101020101" pitchFamily="50" charset="-127"/>
+                    <a:ea typeface="나눔바른고딕" panose="020B0603020101020101" pitchFamily="50" charset="-127"/>
                   </a:endParaRPr>
                 </a:p>
               </p:txBody>
@@ -14265,14 +14908,14 @@
           <p:nvCxnSpPr>
             <p:cNvPr id="13" name="직선 연결선 12"/>
             <p:cNvCxnSpPr>
-              <a:endCxn id="14" idx="0"/>
+              <a:endCxn id="9" idx="0"/>
             </p:cNvCxnSpPr>
             <p:nvPr/>
           </p:nvCxnSpPr>
           <p:spPr>
-            <a:xfrm>
-              <a:off x="4547956" y="3315513"/>
-              <a:ext cx="0" cy="893027"/>
+            <a:xfrm flipH="1">
+              <a:off x="4547957" y="3315514"/>
+              <a:ext cx="1" cy="1625655"/>
             </a:xfrm>
             <a:prstGeom prst="line">
               <a:avLst/>
@@ -14299,36 +14942,6 @@
             </a:fontRef>
           </p:style>
         </p:cxnSp>
-        <p:pic>
-          <p:nvPicPr>
-            <p:cNvPr id="14" name="그림 13"/>
-            <p:cNvPicPr>
-              <a:picLocks noChangeAspect="1"/>
-            </p:cNvPicPr>
-            <p:nvPr/>
-          </p:nvPicPr>
-          <p:blipFill>
-            <a:blip r:embed="rId5" cstate="print">
-              <a:extLst>
-                <a:ext uri="{28A0092B-C50C-407E-A947-70E740481C1C}">
-                  <a14:useLocalDpi xmlns:a14="http://schemas.microsoft.com/office/drawing/2010/main" val="0"/>
-                </a:ext>
-              </a:extLst>
-            </a:blip>
-            <a:stretch>
-              <a:fillRect/>
-            </a:stretch>
-          </p:blipFill>
-          <p:spPr>
-            <a:xfrm>
-              <a:off x="3810411" y="4208540"/>
-              <a:ext cx="1475090" cy="732628"/>
-            </a:xfrm>
-            <a:prstGeom prst="rect">
-              <a:avLst/>
-            </a:prstGeom>
-          </p:spPr>
-        </p:pic>
       </p:grpSp>
     </p:spTree>
     <p:extLst>
@@ -14900,7 +15513,7 @@
   <a:extraClrSchemeLst/>
   <a:extLst>
     <a:ext uri="{05A4C25C-085E-4340-85A3-A5531E510DB2}">
-      <thm15:themeFamily xmlns="" xmlns:thm15="http://schemas.microsoft.com/office/thememl/2012/main" name="Office Theme" id="{62F939B6-93AF-4DB8-9C6B-D6C7DFDC589F}" vid="{4A3C46E8-61CC-4603-A589-7422A47A8E4A}"/>
+      <thm15:themeFamily xmlns:thm15="http://schemas.microsoft.com/office/thememl/2012/main" name="Office Theme" id="{62F939B6-93AF-4DB8-9C6B-D6C7DFDC589F}" vid="{4A3C46E8-61CC-4603-A589-7422A47A8E4A}"/>
     </a:ext>
   </a:extLst>
 </a:theme>
